--- a/DraftSlides/Lecture8.pptx
+++ b/DraftSlides/Lecture8.pptx
@@ -227,7 +227,7 @@
 <file path=ppt/revisionInfo.xml><?xml version="1.0" encoding="utf-8"?>
 <p1510:revInfo xmlns:a="http://schemas.openxmlformats.org/drawingml/2006/main" xmlns:r="http://schemas.openxmlformats.org/officeDocument/2006/relationships" xmlns:p1510="http://schemas.microsoft.com/office/powerpoint/2015/10/main">
   <p1510:revLst>
-    <p1510:client id="{E6AB764D-2824-4613-BFFF-A2420CC730EF}" v="59" dt="2022-02-10T19:11:00.640"/>
+    <p1510:client id="{30F3C032-EBDF-40EB-89E3-ECB1C9BAE9FD}" v="1" dt="2023-01-12T18:44:12.501"/>
   </p1510:revLst>
 </p1510:revInfo>
 </file>
@@ -5787,6 +5787,46 @@
     </pc:docChg>
   </pc:docChgLst>
   <pc:docChgLst>
+    <pc:chgData name="Khattab, Sherif" userId="c83b1e15-36f3-4f46-aceb-05aac24c545e" providerId="ADAL" clId="{30F3C032-EBDF-40EB-89E3-ECB1C9BAE9FD}"/>
+    <pc:docChg chg="modSld">
+      <pc:chgData name="Khattab, Sherif" userId="c83b1e15-36f3-4f46-aceb-05aac24c545e" providerId="ADAL" clId="{30F3C032-EBDF-40EB-89E3-ECB1C9BAE9FD}" dt="2023-01-12T18:44:16.794" v="4" actId="20577"/>
+      <pc:docMkLst>
+        <pc:docMk/>
+      </pc:docMkLst>
+      <pc:sldChg chg="addSp modSp mod">
+        <pc:chgData name="Khattab, Sherif" userId="c83b1e15-36f3-4f46-aceb-05aac24c545e" providerId="ADAL" clId="{30F3C032-EBDF-40EB-89E3-ECB1C9BAE9FD}" dt="2023-01-12T18:44:16.794" v="4" actId="20577"/>
+        <pc:sldMkLst>
+          <pc:docMk/>
+          <pc:sldMk cId="1330366002" sldId="454"/>
+        </pc:sldMkLst>
+        <pc:spChg chg="mod">
+          <ac:chgData name="Khattab, Sherif" userId="c83b1e15-36f3-4f46-aceb-05aac24c545e" providerId="ADAL" clId="{30F3C032-EBDF-40EB-89E3-ECB1C9BAE9FD}" dt="2023-01-12T18:44:14.864" v="2" actId="20577"/>
+          <ac:spMkLst>
+            <pc:docMk/>
+            <pc:sldMk cId="1330366002" sldId="454"/>
+            <ac:spMk id="2" creationId="{00000000-0000-0000-0000-000000000000}"/>
+          </ac:spMkLst>
+        </pc:spChg>
+        <pc:spChg chg="mod">
+          <ac:chgData name="Khattab, Sherif" userId="c83b1e15-36f3-4f46-aceb-05aac24c545e" providerId="ADAL" clId="{30F3C032-EBDF-40EB-89E3-ECB1C9BAE9FD}" dt="2023-01-12T18:44:16.794" v="4" actId="20577"/>
+          <ac:spMkLst>
+            <pc:docMk/>
+            <pc:sldMk cId="1330366002" sldId="454"/>
+            <ac:spMk id="3" creationId="{00000000-0000-0000-0000-000000000000}"/>
+          </ac:spMkLst>
+        </pc:spChg>
+        <pc:picChg chg="add mod">
+          <ac:chgData name="Khattab, Sherif" userId="c83b1e15-36f3-4f46-aceb-05aac24c545e" providerId="ADAL" clId="{30F3C032-EBDF-40EB-89E3-ECB1C9BAE9FD}" dt="2023-01-12T18:44:12.501" v="0"/>
+          <ac:picMkLst>
+            <pc:docMk/>
+            <pc:sldMk cId="1330366002" sldId="454"/>
+            <ac:picMk id="5" creationId="{FC37AB54-DBC9-D4CD-06E6-4706C161E244}"/>
+          </ac:picMkLst>
+        </pc:picChg>
+      </pc:sldChg>
+    </pc:docChg>
+  </pc:docChgLst>
+  <pc:docChgLst>
     <pc:chgData name="Khattab, Sherif" userId="c83b1e15-36f3-4f46-aceb-05aac24c545e" providerId="ADAL" clId="{E6EB0EA7-2544-4CF1-A7D6-AFF5E9AECA5D}"/>
     <pc:docChg chg="addSld delSld modSld modMainMaster">
       <pc:chgData name="Khattab, Sherif" userId="c83b1e15-36f3-4f46-aceb-05aac24c545e" providerId="ADAL" clId="{E6EB0EA7-2544-4CF1-A7D6-AFF5E9AECA5D}" dt="2020-05-14T17:16:25.708" v="6"/>
@@ -7493,6 +7533,788 @@
     </pc:docChg>
   </pc:docChgLst>
   <pc:docChgLst>
+    <pc:chgData name="Khattab, Sherif" userId="c83b1e15-36f3-4f46-aceb-05aac24c545e" providerId="ADAL" clId="{EE78B4C3-BA47-2B47-8B84-4022815E3587}"/>
+    <pc:docChg chg="addSld delSld modSld">
+      <pc:chgData name="Khattab, Sherif" userId="c83b1e15-36f3-4f46-aceb-05aac24c545e" providerId="ADAL" clId="{EE78B4C3-BA47-2B47-8B84-4022815E3587}" dt="2019-05-14T13:34:18.851" v="46"/>
+      <pc:docMkLst>
+        <pc:docMk/>
+      </pc:docMkLst>
+      <pc:sldChg chg="modSp">
+        <pc:chgData name="Khattab, Sherif" userId="c83b1e15-36f3-4f46-aceb-05aac24c545e" providerId="ADAL" clId="{EE78B4C3-BA47-2B47-8B84-4022815E3587}" dt="2019-05-14T13:28:04.131" v="18" actId="20577"/>
+        <pc:sldMkLst>
+          <pc:docMk/>
+          <pc:sldMk cId="0" sldId="256"/>
+        </pc:sldMkLst>
+        <pc:spChg chg="mod">
+          <ac:chgData name="Khattab, Sherif" userId="c83b1e15-36f3-4f46-aceb-05aac24c545e" providerId="ADAL" clId="{EE78B4C3-BA47-2B47-8B84-4022815E3587}" dt="2019-05-14T13:28:04.131" v="18" actId="20577"/>
+          <ac:spMkLst>
+            <pc:docMk/>
+            <pc:sldMk cId="0" sldId="256"/>
+            <ac:spMk id="2" creationId="{00000000-0000-0000-0000-000000000000}"/>
+          </ac:spMkLst>
+        </pc:spChg>
+      </pc:sldChg>
+      <pc:sldChg chg="delSp">
+        <pc:chgData name="Khattab, Sherif" userId="c83b1e15-36f3-4f46-aceb-05aac24c545e" providerId="ADAL" clId="{EE78B4C3-BA47-2B47-8B84-4022815E3587}" dt="2019-05-14T13:30:07.468" v="20"/>
+        <pc:sldMkLst>
+          <pc:docMk/>
+          <pc:sldMk cId="1004035158" sldId="259"/>
+        </pc:sldMkLst>
+        <pc:spChg chg="del">
+          <ac:chgData name="Khattab, Sherif" userId="c83b1e15-36f3-4f46-aceb-05aac24c545e" providerId="ADAL" clId="{EE78B4C3-BA47-2B47-8B84-4022815E3587}" dt="2019-05-14T13:30:07.468" v="20"/>
+          <ac:spMkLst>
+            <pc:docMk/>
+            <pc:sldMk cId="1004035158" sldId="259"/>
+            <ac:spMk id="2" creationId="{00000000-0000-0000-0000-000000000000}"/>
+          </ac:spMkLst>
+        </pc:spChg>
+      </pc:sldChg>
+      <pc:sldChg chg="delSp">
+        <pc:chgData name="Khattab, Sherif" userId="c83b1e15-36f3-4f46-aceb-05aac24c545e" providerId="ADAL" clId="{EE78B4C3-BA47-2B47-8B84-4022815E3587}" dt="2019-05-14T13:30:07.468" v="20"/>
+        <pc:sldMkLst>
+          <pc:docMk/>
+          <pc:sldMk cId="1444142485" sldId="261"/>
+        </pc:sldMkLst>
+        <pc:spChg chg="del">
+          <ac:chgData name="Khattab, Sherif" userId="c83b1e15-36f3-4f46-aceb-05aac24c545e" providerId="ADAL" clId="{EE78B4C3-BA47-2B47-8B84-4022815E3587}" dt="2019-05-14T13:30:07.468" v="20"/>
+          <ac:spMkLst>
+            <pc:docMk/>
+            <pc:sldMk cId="1444142485" sldId="261"/>
+            <ac:spMk id="3" creationId="{00000000-0000-0000-0000-000000000000}"/>
+          </ac:spMkLst>
+        </pc:spChg>
+      </pc:sldChg>
+      <pc:sldChg chg="delSp">
+        <pc:chgData name="Khattab, Sherif" userId="c83b1e15-36f3-4f46-aceb-05aac24c545e" providerId="ADAL" clId="{EE78B4C3-BA47-2B47-8B84-4022815E3587}" dt="2019-05-14T13:30:07.468" v="20"/>
+        <pc:sldMkLst>
+          <pc:docMk/>
+          <pc:sldMk cId="516417489" sldId="262"/>
+        </pc:sldMkLst>
+        <pc:spChg chg="del">
+          <ac:chgData name="Khattab, Sherif" userId="c83b1e15-36f3-4f46-aceb-05aac24c545e" providerId="ADAL" clId="{EE78B4C3-BA47-2B47-8B84-4022815E3587}" dt="2019-05-14T13:30:07.468" v="20"/>
+          <ac:spMkLst>
+            <pc:docMk/>
+            <pc:sldMk cId="516417489" sldId="262"/>
+            <ac:spMk id="2" creationId="{00000000-0000-0000-0000-000000000000}"/>
+          </ac:spMkLst>
+        </pc:spChg>
+      </pc:sldChg>
+      <pc:sldChg chg="delSp">
+        <pc:chgData name="Khattab, Sherif" userId="c83b1e15-36f3-4f46-aceb-05aac24c545e" providerId="ADAL" clId="{EE78B4C3-BA47-2B47-8B84-4022815E3587}" dt="2019-05-14T13:30:07.468" v="20"/>
+        <pc:sldMkLst>
+          <pc:docMk/>
+          <pc:sldMk cId="561583903" sldId="263"/>
+        </pc:sldMkLst>
+        <pc:spChg chg="del">
+          <ac:chgData name="Khattab, Sherif" userId="c83b1e15-36f3-4f46-aceb-05aac24c545e" providerId="ADAL" clId="{EE78B4C3-BA47-2B47-8B84-4022815E3587}" dt="2019-05-14T13:30:07.468" v="20"/>
+          <ac:spMkLst>
+            <pc:docMk/>
+            <pc:sldMk cId="561583903" sldId="263"/>
+            <ac:spMk id="3" creationId="{00000000-0000-0000-0000-000000000000}"/>
+          </ac:spMkLst>
+        </pc:spChg>
+      </pc:sldChg>
+      <pc:sldChg chg="delSp">
+        <pc:chgData name="Khattab, Sherif" userId="c83b1e15-36f3-4f46-aceb-05aac24c545e" providerId="ADAL" clId="{EE78B4C3-BA47-2B47-8B84-4022815E3587}" dt="2019-05-14T13:30:07.468" v="20"/>
+        <pc:sldMkLst>
+          <pc:docMk/>
+          <pc:sldMk cId="982315759" sldId="264"/>
+        </pc:sldMkLst>
+        <pc:spChg chg="del">
+          <ac:chgData name="Khattab, Sherif" userId="c83b1e15-36f3-4f46-aceb-05aac24c545e" providerId="ADAL" clId="{EE78B4C3-BA47-2B47-8B84-4022815E3587}" dt="2019-05-14T13:30:07.468" v="20"/>
+          <ac:spMkLst>
+            <pc:docMk/>
+            <pc:sldMk cId="982315759" sldId="264"/>
+            <ac:spMk id="2" creationId="{00000000-0000-0000-0000-000000000000}"/>
+          </ac:spMkLst>
+        </pc:spChg>
+      </pc:sldChg>
+      <pc:sldChg chg="delSp modSp">
+        <pc:chgData name="Khattab, Sherif" userId="c83b1e15-36f3-4f46-aceb-05aac24c545e" providerId="ADAL" clId="{EE78B4C3-BA47-2B47-8B84-4022815E3587}" dt="2019-05-14T13:30:35.317" v="37" actId="20577"/>
+        <pc:sldMkLst>
+          <pc:docMk/>
+          <pc:sldMk cId="423130617" sldId="265"/>
+        </pc:sldMkLst>
+        <pc:spChg chg="del">
+          <ac:chgData name="Khattab, Sherif" userId="c83b1e15-36f3-4f46-aceb-05aac24c545e" providerId="ADAL" clId="{EE78B4C3-BA47-2B47-8B84-4022815E3587}" dt="2019-05-14T13:30:07.468" v="20"/>
+          <ac:spMkLst>
+            <pc:docMk/>
+            <pc:sldMk cId="423130617" sldId="265"/>
+            <ac:spMk id="3" creationId="{00000000-0000-0000-0000-000000000000}"/>
+          </ac:spMkLst>
+        </pc:spChg>
+        <pc:spChg chg="mod">
+          <ac:chgData name="Khattab, Sherif" userId="c83b1e15-36f3-4f46-aceb-05aac24c545e" providerId="ADAL" clId="{EE78B4C3-BA47-2B47-8B84-4022815E3587}" dt="2019-05-14T13:30:35.317" v="37" actId="20577"/>
+          <ac:spMkLst>
+            <pc:docMk/>
+            <pc:sldMk cId="423130617" sldId="265"/>
+            <ac:spMk id="12290" creationId="{00000000-0000-0000-0000-000000000000}"/>
+          </ac:spMkLst>
+        </pc:spChg>
+      </pc:sldChg>
+      <pc:sldChg chg="delSp">
+        <pc:chgData name="Khattab, Sherif" userId="c83b1e15-36f3-4f46-aceb-05aac24c545e" providerId="ADAL" clId="{EE78B4C3-BA47-2B47-8B84-4022815E3587}" dt="2019-05-14T13:30:07.468" v="20"/>
+        <pc:sldMkLst>
+          <pc:docMk/>
+          <pc:sldMk cId="661211275" sldId="267"/>
+        </pc:sldMkLst>
+        <pc:spChg chg="del">
+          <ac:chgData name="Khattab, Sherif" userId="c83b1e15-36f3-4f46-aceb-05aac24c545e" providerId="ADAL" clId="{EE78B4C3-BA47-2B47-8B84-4022815E3587}" dt="2019-05-14T13:30:07.468" v="20"/>
+          <ac:spMkLst>
+            <pc:docMk/>
+            <pc:sldMk cId="661211275" sldId="267"/>
+            <ac:spMk id="2" creationId="{00000000-0000-0000-0000-000000000000}"/>
+          </ac:spMkLst>
+        </pc:spChg>
+      </pc:sldChg>
+      <pc:sldChg chg="delSp">
+        <pc:chgData name="Khattab, Sherif" userId="c83b1e15-36f3-4f46-aceb-05aac24c545e" providerId="ADAL" clId="{EE78B4C3-BA47-2B47-8B84-4022815E3587}" dt="2019-05-14T13:30:07.468" v="20"/>
+        <pc:sldMkLst>
+          <pc:docMk/>
+          <pc:sldMk cId="1897509347" sldId="268"/>
+        </pc:sldMkLst>
+        <pc:spChg chg="del">
+          <ac:chgData name="Khattab, Sherif" userId="c83b1e15-36f3-4f46-aceb-05aac24c545e" providerId="ADAL" clId="{EE78B4C3-BA47-2B47-8B84-4022815E3587}" dt="2019-05-14T13:30:07.468" v="20"/>
+          <ac:spMkLst>
+            <pc:docMk/>
+            <pc:sldMk cId="1897509347" sldId="268"/>
+            <ac:spMk id="2" creationId="{00000000-0000-0000-0000-000000000000}"/>
+          </ac:spMkLst>
+        </pc:spChg>
+      </pc:sldChg>
+      <pc:sldChg chg="delSp">
+        <pc:chgData name="Khattab, Sherif" userId="c83b1e15-36f3-4f46-aceb-05aac24c545e" providerId="ADAL" clId="{EE78B4C3-BA47-2B47-8B84-4022815E3587}" dt="2019-05-14T13:30:07.468" v="20"/>
+        <pc:sldMkLst>
+          <pc:docMk/>
+          <pc:sldMk cId="1042310649" sldId="269"/>
+        </pc:sldMkLst>
+        <pc:spChg chg="del">
+          <ac:chgData name="Khattab, Sherif" userId="c83b1e15-36f3-4f46-aceb-05aac24c545e" providerId="ADAL" clId="{EE78B4C3-BA47-2B47-8B84-4022815E3587}" dt="2019-05-14T13:30:07.468" v="20"/>
+          <ac:spMkLst>
+            <pc:docMk/>
+            <pc:sldMk cId="1042310649" sldId="269"/>
+            <ac:spMk id="3" creationId="{00000000-0000-0000-0000-000000000000}"/>
+          </ac:spMkLst>
+        </pc:spChg>
+      </pc:sldChg>
+      <pc:sldChg chg="delSp">
+        <pc:chgData name="Khattab, Sherif" userId="c83b1e15-36f3-4f46-aceb-05aac24c545e" providerId="ADAL" clId="{EE78B4C3-BA47-2B47-8B84-4022815E3587}" dt="2019-05-14T13:30:07.468" v="20"/>
+        <pc:sldMkLst>
+          <pc:docMk/>
+          <pc:sldMk cId="703361262" sldId="270"/>
+        </pc:sldMkLst>
+        <pc:spChg chg="del">
+          <ac:chgData name="Khattab, Sherif" userId="c83b1e15-36f3-4f46-aceb-05aac24c545e" providerId="ADAL" clId="{EE78B4C3-BA47-2B47-8B84-4022815E3587}" dt="2019-05-14T13:30:07.468" v="20"/>
+          <ac:spMkLst>
+            <pc:docMk/>
+            <pc:sldMk cId="703361262" sldId="270"/>
+            <ac:spMk id="3" creationId="{00000000-0000-0000-0000-000000000000}"/>
+          </ac:spMkLst>
+        </pc:spChg>
+      </pc:sldChg>
+      <pc:sldChg chg="delSp">
+        <pc:chgData name="Khattab, Sherif" userId="c83b1e15-36f3-4f46-aceb-05aac24c545e" providerId="ADAL" clId="{EE78B4C3-BA47-2B47-8B84-4022815E3587}" dt="2019-05-14T13:30:07.468" v="20"/>
+        <pc:sldMkLst>
+          <pc:docMk/>
+          <pc:sldMk cId="1436808390" sldId="271"/>
+        </pc:sldMkLst>
+        <pc:spChg chg="del">
+          <ac:chgData name="Khattab, Sherif" userId="c83b1e15-36f3-4f46-aceb-05aac24c545e" providerId="ADAL" clId="{EE78B4C3-BA47-2B47-8B84-4022815E3587}" dt="2019-05-14T13:30:07.468" v="20"/>
+          <ac:spMkLst>
+            <pc:docMk/>
+            <pc:sldMk cId="1436808390" sldId="271"/>
+            <ac:spMk id="2" creationId="{00000000-0000-0000-0000-000000000000}"/>
+          </ac:spMkLst>
+        </pc:spChg>
+      </pc:sldChg>
+      <pc:sldChg chg="delSp">
+        <pc:chgData name="Khattab, Sherif" userId="c83b1e15-36f3-4f46-aceb-05aac24c545e" providerId="ADAL" clId="{EE78B4C3-BA47-2B47-8B84-4022815E3587}" dt="2019-05-14T13:30:07.468" v="20"/>
+        <pc:sldMkLst>
+          <pc:docMk/>
+          <pc:sldMk cId="1301683851" sldId="272"/>
+        </pc:sldMkLst>
+        <pc:spChg chg="del">
+          <ac:chgData name="Khattab, Sherif" userId="c83b1e15-36f3-4f46-aceb-05aac24c545e" providerId="ADAL" clId="{EE78B4C3-BA47-2B47-8B84-4022815E3587}" dt="2019-05-14T13:30:07.468" v="20"/>
+          <ac:spMkLst>
+            <pc:docMk/>
+            <pc:sldMk cId="1301683851" sldId="272"/>
+            <ac:spMk id="3" creationId="{00000000-0000-0000-0000-000000000000}"/>
+          </ac:spMkLst>
+        </pc:spChg>
+      </pc:sldChg>
+      <pc:sldChg chg="delSp">
+        <pc:chgData name="Khattab, Sherif" userId="c83b1e15-36f3-4f46-aceb-05aac24c545e" providerId="ADAL" clId="{EE78B4C3-BA47-2B47-8B84-4022815E3587}" dt="2019-05-14T13:30:07.468" v="20"/>
+        <pc:sldMkLst>
+          <pc:docMk/>
+          <pc:sldMk cId="55302999" sldId="274"/>
+        </pc:sldMkLst>
+        <pc:spChg chg="del">
+          <ac:chgData name="Khattab, Sherif" userId="c83b1e15-36f3-4f46-aceb-05aac24c545e" providerId="ADAL" clId="{EE78B4C3-BA47-2B47-8B84-4022815E3587}" dt="2019-05-14T13:30:07.468" v="20"/>
+          <ac:spMkLst>
+            <pc:docMk/>
+            <pc:sldMk cId="55302999" sldId="274"/>
+            <ac:spMk id="2" creationId="{00000000-0000-0000-0000-000000000000}"/>
+          </ac:spMkLst>
+        </pc:spChg>
+      </pc:sldChg>
+      <pc:sldChg chg="delSp">
+        <pc:chgData name="Khattab, Sherif" userId="c83b1e15-36f3-4f46-aceb-05aac24c545e" providerId="ADAL" clId="{EE78B4C3-BA47-2B47-8B84-4022815E3587}" dt="2019-05-14T13:30:07.468" v="20"/>
+        <pc:sldMkLst>
+          <pc:docMk/>
+          <pc:sldMk cId="2064114192" sldId="276"/>
+        </pc:sldMkLst>
+        <pc:spChg chg="del">
+          <ac:chgData name="Khattab, Sherif" userId="c83b1e15-36f3-4f46-aceb-05aac24c545e" providerId="ADAL" clId="{EE78B4C3-BA47-2B47-8B84-4022815E3587}" dt="2019-05-14T13:30:07.468" v="20"/>
+          <ac:spMkLst>
+            <pc:docMk/>
+            <pc:sldMk cId="2064114192" sldId="276"/>
+            <ac:spMk id="2" creationId="{00000000-0000-0000-0000-000000000000}"/>
+          </ac:spMkLst>
+        </pc:spChg>
+      </pc:sldChg>
+      <pc:sldChg chg="delSp">
+        <pc:chgData name="Khattab, Sherif" userId="c83b1e15-36f3-4f46-aceb-05aac24c545e" providerId="ADAL" clId="{EE78B4C3-BA47-2B47-8B84-4022815E3587}" dt="2019-05-14T13:30:07.468" v="20"/>
+        <pc:sldMkLst>
+          <pc:docMk/>
+          <pc:sldMk cId="1000435174" sldId="278"/>
+        </pc:sldMkLst>
+        <pc:spChg chg="del">
+          <ac:chgData name="Khattab, Sherif" userId="c83b1e15-36f3-4f46-aceb-05aac24c545e" providerId="ADAL" clId="{EE78B4C3-BA47-2B47-8B84-4022815E3587}" dt="2019-05-14T13:30:07.468" v="20"/>
+          <ac:spMkLst>
+            <pc:docMk/>
+            <pc:sldMk cId="1000435174" sldId="278"/>
+            <ac:spMk id="2" creationId="{00000000-0000-0000-0000-000000000000}"/>
+          </ac:spMkLst>
+        </pc:spChg>
+      </pc:sldChg>
+      <pc:sldChg chg="delSp">
+        <pc:chgData name="Khattab, Sherif" userId="c83b1e15-36f3-4f46-aceb-05aac24c545e" providerId="ADAL" clId="{EE78B4C3-BA47-2B47-8B84-4022815E3587}" dt="2019-05-14T13:30:07.468" v="20"/>
+        <pc:sldMkLst>
+          <pc:docMk/>
+          <pc:sldMk cId="2080017563" sldId="279"/>
+        </pc:sldMkLst>
+        <pc:spChg chg="del">
+          <ac:chgData name="Khattab, Sherif" userId="c83b1e15-36f3-4f46-aceb-05aac24c545e" providerId="ADAL" clId="{EE78B4C3-BA47-2B47-8B84-4022815E3587}" dt="2019-05-14T13:30:07.468" v="20"/>
+          <ac:spMkLst>
+            <pc:docMk/>
+            <pc:sldMk cId="2080017563" sldId="279"/>
+            <ac:spMk id="3" creationId="{00000000-0000-0000-0000-000000000000}"/>
+          </ac:spMkLst>
+        </pc:spChg>
+      </pc:sldChg>
+      <pc:sldChg chg="delSp">
+        <pc:chgData name="Khattab, Sherif" userId="c83b1e15-36f3-4f46-aceb-05aac24c545e" providerId="ADAL" clId="{EE78B4C3-BA47-2B47-8B84-4022815E3587}" dt="2019-05-14T13:30:07.468" v="20"/>
+        <pc:sldMkLst>
+          <pc:docMk/>
+          <pc:sldMk cId="1445345591" sldId="281"/>
+        </pc:sldMkLst>
+        <pc:spChg chg="del">
+          <ac:chgData name="Khattab, Sherif" userId="c83b1e15-36f3-4f46-aceb-05aac24c545e" providerId="ADAL" clId="{EE78B4C3-BA47-2B47-8B84-4022815E3587}" dt="2019-05-14T13:30:07.468" v="20"/>
+          <ac:spMkLst>
+            <pc:docMk/>
+            <pc:sldMk cId="1445345591" sldId="281"/>
+            <ac:spMk id="2" creationId="{00000000-0000-0000-0000-000000000000}"/>
+          </ac:spMkLst>
+        </pc:spChg>
+      </pc:sldChg>
+      <pc:sldChg chg="delSp">
+        <pc:chgData name="Khattab, Sherif" userId="c83b1e15-36f3-4f46-aceb-05aac24c545e" providerId="ADAL" clId="{EE78B4C3-BA47-2B47-8B84-4022815E3587}" dt="2019-05-14T13:30:07.468" v="20"/>
+        <pc:sldMkLst>
+          <pc:docMk/>
+          <pc:sldMk cId="306268545" sldId="282"/>
+        </pc:sldMkLst>
+        <pc:spChg chg="del">
+          <ac:chgData name="Khattab, Sherif" userId="c83b1e15-36f3-4f46-aceb-05aac24c545e" providerId="ADAL" clId="{EE78B4C3-BA47-2B47-8B84-4022815E3587}" dt="2019-05-14T13:30:07.468" v="20"/>
+          <ac:spMkLst>
+            <pc:docMk/>
+            <pc:sldMk cId="306268545" sldId="282"/>
+            <ac:spMk id="2" creationId="{00000000-0000-0000-0000-000000000000}"/>
+          </ac:spMkLst>
+        </pc:spChg>
+      </pc:sldChg>
+      <pc:sldChg chg="delSp add">
+        <pc:chgData name="Khattab, Sherif" userId="c83b1e15-36f3-4f46-aceb-05aac24c545e" providerId="ADAL" clId="{EE78B4C3-BA47-2B47-8B84-4022815E3587}" dt="2019-05-14T13:34:18.851" v="46"/>
+        <pc:sldMkLst>
+          <pc:docMk/>
+          <pc:sldMk cId="2710637777" sldId="322"/>
+        </pc:sldMkLst>
+        <pc:spChg chg="del">
+          <ac:chgData name="Khattab, Sherif" userId="c83b1e15-36f3-4f46-aceb-05aac24c545e" providerId="ADAL" clId="{EE78B4C3-BA47-2B47-8B84-4022815E3587}" dt="2019-05-14T13:34:18.851" v="46"/>
+          <ac:spMkLst>
+            <pc:docMk/>
+            <pc:sldMk cId="2710637777" sldId="322"/>
+            <ac:spMk id="6" creationId="{0700C6EC-DCCB-614E-A0F4-3418D2D78AC7}"/>
+          </ac:spMkLst>
+        </pc:spChg>
+      </pc:sldChg>
+      <pc:sldChg chg="delSp add">
+        <pc:chgData name="Khattab, Sherif" userId="c83b1e15-36f3-4f46-aceb-05aac24c545e" providerId="ADAL" clId="{EE78B4C3-BA47-2B47-8B84-4022815E3587}" dt="2019-05-14T13:34:18.851" v="46"/>
+        <pc:sldMkLst>
+          <pc:docMk/>
+          <pc:sldMk cId="3292918179" sldId="324"/>
+        </pc:sldMkLst>
+        <pc:spChg chg="del">
+          <ac:chgData name="Khattab, Sherif" userId="c83b1e15-36f3-4f46-aceb-05aac24c545e" providerId="ADAL" clId="{EE78B4C3-BA47-2B47-8B84-4022815E3587}" dt="2019-05-14T13:34:18.851" v="46"/>
+          <ac:spMkLst>
+            <pc:docMk/>
+            <pc:sldMk cId="3292918179" sldId="324"/>
+            <ac:spMk id="26" creationId="{3729950E-4F02-6B44-A5A4-B6238ABBD35B}"/>
+          </ac:spMkLst>
+        </pc:spChg>
+      </pc:sldChg>
+      <pc:sldChg chg="delSp add">
+        <pc:chgData name="Khattab, Sherif" userId="c83b1e15-36f3-4f46-aceb-05aac24c545e" providerId="ADAL" clId="{EE78B4C3-BA47-2B47-8B84-4022815E3587}" dt="2019-05-14T13:34:18.851" v="46"/>
+        <pc:sldMkLst>
+          <pc:docMk/>
+          <pc:sldMk cId="355119911" sldId="338"/>
+        </pc:sldMkLst>
+        <pc:spChg chg="del">
+          <ac:chgData name="Khattab, Sherif" userId="c83b1e15-36f3-4f46-aceb-05aac24c545e" providerId="ADAL" clId="{EE78B4C3-BA47-2B47-8B84-4022815E3587}" dt="2019-05-14T13:34:18.851" v="46"/>
+          <ac:spMkLst>
+            <pc:docMk/>
+            <pc:sldMk cId="355119911" sldId="338"/>
+            <ac:spMk id="7" creationId="{AC4B9F18-B1E5-C341-B953-6D96BAA0EB6C}"/>
+          </ac:spMkLst>
+        </pc:spChg>
+      </pc:sldChg>
+      <pc:sldChg chg="delSp add">
+        <pc:chgData name="Khattab, Sherif" userId="c83b1e15-36f3-4f46-aceb-05aac24c545e" providerId="ADAL" clId="{EE78B4C3-BA47-2B47-8B84-4022815E3587}" dt="2019-05-14T13:34:18.851" v="46"/>
+        <pc:sldMkLst>
+          <pc:docMk/>
+          <pc:sldMk cId="4223572414" sldId="339"/>
+        </pc:sldMkLst>
+        <pc:spChg chg="del">
+          <ac:chgData name="Khattab, Sherif" userId="c83b1e15-36f3-4f46-aceb-05aac24c545e" providerId="ADAL" clId="{EE78B4C3-BA47-2B47-8B84-4022815E3587}" dt="2019-05-14T13:34:18.851" v="46"/>
+          <ac:spMkLst>
+            <pc:docMk/>
+            <pc:sldMk cId="4223572414" sldId="339"/>
+            <ac:spMk id="6" creationId="{48879884-318D-6C49-B6B8-463E617B85F1}"/>
+          </ac:spMkLst>
+        </pc:spChg>
+      </pc:sldChg>
+      <pc:sldChg chg="delSp add">
+        <pc:chgData name="Khattab, Sherif" userId="c83b1e15-36f3-4f46-aceb-05aac24c545e" providerId="ADAL" clId="{EE78B4C3-BA47-2B47-8B84-4022815E3587}" dt="2019-05-14T13:34:18.851" v="46"/>
+        <pc:sldMkLst>
+          <pc:docMk/>
+          <pc:sldMk cId="470668490" sldId="340"/>
+        </pc:sldMkLst>
+        <pc:spChg chg="del">
+          <ac:chgData name="Khattab, Sherif" userId="c83b1e15-36f3-4f46-aceb-05aac24c545e" providerId="ADAL" clId="{EE78B4C3-BA47-2B47-8B84-4022815E3587}" dt="2019-05-14T13:34:18.851" v="46"/>
+          <ac:spMkLst>
+            <pc:docMk/>
+            <pc:sldMk cId="470668490" sldId="340"/>
+            <ac:spMk id="6" creationId="{32D0E818-62B1-0A49-9CFC-1DC58F40FEBE}"/>
+          </ac:spMkLst>
+        </pc:spChg>
+      </pc:sldChg>
+      <pc:sldChg chg="delSp add">
+        <pc:chgData name="Khattab, Sherif" userId="c83b1e15-36f3-4f46-aceb-05aac24c545e" providerId="ADAL" clId="{EE78B4C3-BA47-2B47-8B84-4022815E3587}" dt="2019-05-14T13:34:18.851" v="46"/>
+        <pc:sldMkLst>
+          <pc:docMk/>
+          <pc:sldMk cId="1205868326" sldId="341"/>
+        </pc:sldMkLst>
+        <pc:spChg chg="del">
+          <ac:chgData name="Khattab, Sherif" userId="c83b1e15-36f3-4f46-aceb-05aac24c545e" providerId="ADAL" clId="{EE78B4C3-BA47-2B47-8B84-4022815E3587}" dt="2019-05-14T13:34:18.851" v="46"/>
+          <ac:spMkLst>
+            <pc:docMk/>
+            <pc:sldMk cId="1205868326" sldId="341"/>
+            <ac:spMk id="6" creationId="{918B0854-EAA5-9D49-9ED0-EA7684377156}"/>
+          </ac:spMkLst>
+        </pc:spChg>
+      </pc:sldChg>
+      <pc:sldChg chg="delSp add">
+        <pc:chgData name="Khattab, Sherif" userId="c83b1e15-36f3-4f46-aceb-05aac24c545e" providerId="ADAL" clId="{EE78B4C3-BA47-2B47-8B84-4022815E3587}" dt="2019-05-14T13:34:18.851" v="46"/>
+        <pc:sldMkLst>
+          <pc:docMk/>
+          <pc:sldMk cId="1806563943" sldId="342"/>
+        </pc:sldMkLst>
+        <pc:spChg chg="del">
+          <ac:chgData name="Khattab, Sherif" userId="c83b1e15-36f3-4f46-aceb-05aac24c545e" providerId="ADAL" clId="{EE78B4C3-BA47-2B47-8B84-4022815E3587}" dt="2019-05-14T13:34:18.851" v="46"/>
+          <ac:spMkLst>
+            <pc:docMk/>
+            <pc:sldMk cId="1806563943" sldId="342"/>
+            <ac:spMk id="9" creationId="{712AC7F1-3CB0-3140-8620-EAE2154DEBDF}"/>
+          </ac:spMkLst>
+        </pc:spChg>
+      </pc:sldChg>
+      <pc:sldChg chg="delSp add">
+        <pc:chgData name="Khattab, Sherif" userId="c83b1e15-36f3-4f46-aceb-05aac24c545e" providerId="ADAL" clId="{EE78B4C3-BA47-2B47-8B84-4022815E3587}" dt="2019-05-14T13:34:18.851" v="46"/>
+        <pc:sldMkLst>
+          <pc:docMk/>
+          <pc:sldMk cId="1167711490" sldId="343"/>
+        </pc:sldMkLst>
+        <pc:spChg chg="del">
+          <ac:chgData name="Khattab, Sherif" userId="c83b1e15-36f3-4f46-aceb-05aac24c545e" providerId="ADAL" clId="{EE78B4C3-BA47-2B47-8B84-4022815E3587}" dt="2019-05-14T13:34:18.851" v="46"/>
+          <ac:spMkLst>
+            <pc:docMk/>
+            <pc:sldMk cId="1167711490" sldId="343"/>
+            <ac:spMk id="9" creationId="{7277E941-6A46-A141-896C-8CF8D763337C}"/>
+          </ac:spMkLst>
+        </pc:spChg>
+      </pc:sldChg>
+      <pc:sldChg chg="delSp add">
+        <pc:chgData name="Khattab, Sherif" userId="c83b1e15-36f3-4f46-aceb-05aac24c545e" providerId="ADAL" clId="{EE78B4C3-BA47-2B47-8B84-4022815E3587}" dt="2019-05-14T13:34:18.851" v="46"/>
+        <pc:sldMkLst>
+          <pc:docMk/>
+          <pc:sldMk cId="1271999567" sldId="349"/>
+        </pc:sldMkLst>
+        <pc:spChg chg="del">
+          <ac:chgData name="Khattab, Sherif" userId="c83b1e15-36f3-4f46-aceb-05aac24c545e" providerId="ADAL" clId="{EE78B4C3-BA47-2B47-8B84-4022815E3587}" dt="2019-05-14T13:34:18.851" v="46"/>
+          <ac:spMkLst>
+            <pc:docMk/>
+            <pc:sldMk cId="1271999567" sldId="349"/>
+            <ac:spMk id="8" creationId="{7BD79B2E-E2F2-FE40-AF15-AA838FE67060}"/>
+          </ac:spMkLst>
+        </pc:spChg>
+      </pc:sldChg>
+      <pc:sldChg chg="delSp add">
+        <pc:chgData name="Khattab, Sherif" userId="c83b1e15-36f3-4f46-aceb-05aac24c545e" providerId="ADAL" clId="{EE78B4C3-BA47-2B47-8B84-4022815E3587}" dt="2019-05-14T13:34:18.851" v="46"/>
+        <pc:sldMkLst>
+          <pc:docMk/>
+          <pc:sldMk cId="434376579" sldId="363"/>
+        </pc:sldMkLst>
+        <pc:spChg chg="del">
+          <ac:chgData name="Khattab, Sherif" userId="c83b1e15-36f3-4f46-aceb-05aac24c545e" providerId="ADAL" clId="{EE78B4C3-BA47-2B47-8B84-4022815E3587}" dt="2019-05-14T13:34:18.851" v="46"/>
+          <ac:spMkLst>
+            <pc:docMk/>
+            <pc:sldMk cId="434376579" sldId="363"/>
+            <ac:spMk id="15" creationId="{1190D209-83D1-A548-8C7B-C35DE4396F91}"/>
+          </ac:spMkLst>
+        </pc:spChg>
+      </pc:sldChg>
+      <pc:sldChg chg="delSp add">
+        <pc:chgData name="Khattab, Sherif" userId="c83b1e15-36f3-4f46-aceb-05aac24c545e" providerId="ADAL" clId="{EE78B4C3-BA47-2B47-8B84-4022815E3587}" dt="2019-05-14T13:34:18.851" v="46"/>
+        <pc:sldMkLst>
+          <pc:docMk/>
+          <pc:sldMk cId="815621424" sldId="364"/>
+        </pc:sldMkLst>
+        <pc:spChg chg="del">
+          <ac:chgData name="Khattab, Sherif" userId="c83b1e15-36f3-4f46-aceb-05aac24c545e" providerId="ADAL" clId="{EE78B4C3-BA47-2B47-8B84-4022815E3587}" dt="2019-05-14T13:34:18.851" v="46"/>
+          <ac:spMkLst>
+            <pc:docMk/>
+            <pc:sldMk cId="815621424" sldId="364"/>
+            <ac:spMk id="29" creationId="{6D10D6C8-49C6-BE4E-9E3F-EEC76AE056AA}"/>
+          </ac:spMkLst>
+        </pc:spChg>
+      </pc:sldChg>
+      <pc:sldChg chg="delSp add">
+        <pc:chgData name="Khattab, Sherif" userId="c83b1e15-36f3-4f46-aceb-05aac24c545e" providerId="ADAL" clId="{EE78B4C3-BA47-2B47-8B84-4022815E3587}" dt="2019-05-14T13:34:18.851" v="46"/>
+        <pc:sldMkLst>
+          <pc:docMk/>
+          <pc:sldMk cId="1934104099" sldId="365"/>
+        </pc:sldMkLst>
+        <pc:spChg chg="del">
+          <ac:chgData name="Khattab, Sherif" userId="c83b1e15-36f3-4f46-aceb-05aac24c545e" providerId="ADAL" clId="{EE78B4C3-BA47-2B47-8B84-4022815E3587}" dt="2019-05-14T13:34:18.851" v="46"/>
+          <ac:spMkLst>
+            <pc:docMk/>
+            <pc:sldMk cId="1934104099" sldId="365"/>
+            <ac:spMk id="10" creationId="{87886125-1D5E-014B-A276-636801877DB6}"/>
+          </ac:spMkLst>
+        </pc:spChg>
+      </pc:sldChg>
+      <pc:sldChg chg="delSp add">
+        <pc:chgData name="Khattab, Sherif" userId="c83b1e15-36f3-4f46-aceb-05aac24c545e" providerId="ADAL" clId="{EE78B4C3-BA47-2B47-8B84-4022815E3587}" dt="2019-05-14T13:34:18.851" v="46"/>
+        <pc:sldMkLst>
+          <pc:docMk/>
+          <pc:sldMk cId="2782429159" sldId="366"/>
+        </pc:sldMkLst>
+        <pc:spChg chg="del">
+          <ac:chgData name="Khattab, Sherif" userId="c83b1e15-36f3-4f46-aceb-05aac24c545e" providerId="ADAL" clId="{EE78B4C3-BA47-2B47-8B84-4022815E3587}" dt="2019-05-14T13:34:18.851" v="46"/>
+          <ac:spMkLst>
+            <pc:docMk/>
+            <pc:sldMk cId="2782429159" sldId="366"/>
+            <ac:spMk id="6" creationId="{35E278D3-0A71-264A-B99D-056EBFA58F06}"/>
+          </ac:spMkLst>
+        </pc:spChg>
+      </pc:sldChg>
+      <pc:sldChg chg="delSp add">
+        <pc:chgData name="Khattab, Sherif" userId="c83b1e15-36f3-4f46-aceb-05aac24c545e" providerId="ADAL" clId="{EE78B4C3-BA47-2B47-8B84-4022815E3587}" dt="2019-05-14T13:34:18.851" v="46"/>
+        <pc:sldMkLst>
+          <pc:docMk/>
+          <pc:sldMk cId="2251973667" sldId="367"/>
+        </pc:sldMkLst>
+        <pc:spChg chg="del">
+          <ac:chgData name="Khattab, Sherif" userId="c83b1e15-36f3-4f46-aceb-05aac24c545e" providerId="ADAL" clId="{EE78B4C3-BA47-2B47-8B84-4022815E3587}" dt="2019-05-14T13:34:18.851" v="46"/>
+          <ac:spMkLst>
+            <pc:docMk/>
+            <pc:sldMk cId="2251973667" sldId="367"/>
+            <ac:spMk id="6" creationId="{156F37D5-7C3B-D446-B495-19F8366B5AD6}"/>
+          </ac:spMkLst>
+        </pc:spChg>
+      </pc:sldChg>
+      <pc:sldChg chg="delSp add">
+        <pc:chgData name="Khattab, Sherif" userId="c83b1e15-36f3-4f46-aceb-05aac24c545e" providerId="ADAL" clId="{EE78B4C3-BA47-2B47-8B84-4022815E3587}" dt="2019-05-14T13:34:18.851" v="46"/>
+        <pc:sldMkLst>
+          <pc:docMk/>
+          <pc:sldMk cId="3138501136" sldId="368"/>
+        </pc:sldMkLst>
+        <pc:spChg chg="del">
+          <ac:chgData name="Khattab, Sherif" userId="c83b1e15-36f3-4f46-aceb-05aac24c545e" providerId="ADAL" clId="{EE78B4C3-BA47-2B47-8B84-4022815E3587}" dt="2019-05-14T13:34:18.851" v="46"/>
+          <ac:spMkLst>
+            <pc:docMk/>
+            <pc:sldMk cId="3138501136" sldId="368"/>
+            <ac:spMk id="9" creationId="{2996EA4B-3DC2-9F42-B065-0840F656E48E}"/>
+          </ac:spMkLst>
+        </pc:spChg>
+      </pc:sldChg>
+      <pc:sldChg chg="delSp add">
+        <pc:chgData name="Khattab, Sherif" userId="c83b1e15-36f3-4f46-aceb-05aac24c545e" providerId="ADAL" clId="{EE78B4C3-BA47-2B47-8B84-4022815E3587}" dt="2019-05-14T13:34:18.851" v="46"/>
+        <pc:sldMkLst>
+          <pc:docMk/>
+          <pc:sldMk cId="3210992163" sldId="369"/>
+        </pc:sldMkLst>
+        <pc:spChg chg="del">
+          <ac:chgData name="Khattab, Sherif" userId="c83b1e15-36f3-4f46-aceb-05aac24c545e" providerId="ADAL" clId="{EE78B4C3-BA47-2B47-8B84-4022815E3587}" dt="2019-05-14T13:34:18.851" v="46"/>
+          <ac:spMkLst>
+            <pc:docMk/>
+            <pc:sldMk cId="3210992163" sldId="369"/>
+            <ac:spMk id="6" creationId="{B0B02CAE-6A9B-A441-9498-BF8F3DB626EB}"/>
+          </ac:spMkLst>
+        </pc:spChg>
+      </pc:sldChg>
+      <pc:sldChg chg="delSp add">
+        <pc:chgData name="Khattab, Sherif" userId="c83b1e15-36f3-4f46-aceb-05aac24c545e" providerId="ADAL" clId="{EE78B4C3-BA47-2B47-8B84-4022815E3587}" dt="2019-05-14T13:34:18.851" v="46"/>
+        <pc:sldMkLst>
+          <pc:docMk/>
+          <pc:sldMk cId="4013065491" sldId="370"/>
+        </pc:sldMkLst>
+        <pc:spChg chg="del">
+          <ac:chgData name="Khattab, Sherif" userId="c83b1e15-36f3-4f46-aceb-05aac24c545e" providerId="ADAL" clId="{EE78B4C3-BA47-2B47-8B84-4022815E3587}" dt="2019-05-14T13:34:18.851" v="46"/>
+          <ac:spMkLst>
+            <pc:docMk/>
+            <pc:sldMk cId="4013065491" sldId="370"/>
+            <ac:spMk id="8" creationId="{D0EF7B2F-C2A6-4E4A-BA48-98165068EB9D}"/>
+          </ac:spMkLst>
+        </pc:spChg>
+      </pc:sldChg>
+      <pc:sldChg chg="delSp add">
+        <pc:chgData name="Khattab, Sherif" userId="c83b1e15-36f3-4f46-aceb-05aac24c545e" providerId="ADAL" clId="{EE78B4C3-BA47-2B47-8B84-4022815E3587}" dt="2019-05-14T13:34:18.851" v="46"/>
+        <pc:sldMkLst>
+          <pc:docMk/>
+          <pc:sldMk cId="2592968416" sldId="371"/>
+        </pc:sldMkLst>
+        <pc:spChg chg="del">
+          <ac:chgData name="Khattab, Sherif" userId="c83b1e15-36f3-4f46-aceb-05aac24c545e" providerId="ADAL" clId="{EE78B4C3-BA47-2B47-8B84-4022815E3587}" dt="2019-05-14T13:34:18.851" v="46"/>
+          <ac:spMkLst>
+            <pc:docMk/>
+            <pc:sldMk cId="2592968416" sldId="371"/>
+            <ac:spMk id="8" creationId="{61F73BD1-10AC-B146-B4D6-4D1B879CEAE3}"/>
+          </ac:spMkLst>
+        </pc:spChg>
+      </pc:sldChg>
+      <pc:sldChg chg="delSp add">
+        <pc:chgData name="Khattab, Sherif" userId="c83b1e15-36f3-4f46-aceb-05aac24c545e" providerId="ADAL" clId="{EE78B4C3-BA47-2B47-8B84-4022815E3587}" dt="2019-05-14T13:34:18.851" v="46"/>
+        <pc:sldMkLst>
+          <pc:docMk/>
+          <pc:sldMk cId="3848335379" sldId="372"/>
+        </pc:sldMkLst>
+        <pc:spChg chg="del">
+          <ac:chgData name="Khattab, Sherif" userId="c83b1e15-36f3-4f46-aceb-05aac24c545e" providerId="ADAL" clId="{EE78B4C3-BA47-2B47-8B84-4022815E3587}" dt="2019-05-14T13:34:18.851" v="46"/>
+          <ac:spMkLst>
+            <pc:docMk/>
+            <pc:sldMk cId="3848335379" sldId="372"/>
+            <ac:spMk id="9" creationId="{A9CB262F-7565-A04A-9FDE-A27BCA955EC0}"/>
+          </ac:spMkLst>
+        </pc:spChg>
+      </pc:sldChg>
+      <pc:sldChg chg="delSp add">
+        <pc:chgData name="Khattab, Sherif" userId="c83b1e15-36f3-4f46-aceb-05aac24c545e" providerId="ADAL" clId="{EE78B4C3-BA47-2B47-8B84-4022815E3587}" dt="2019-05-14T13:34:18.851" v="46"/>
+        <pc:sldMkLst>
+          <pc:docMk/>
+          <pc:sldMk cId="3161117264" sldId="373"/>
+        </pc:sldMkLst>
+        <pc:spChg chg="del">
+          <ac:chgData name="Khattab, Sherif" userId="c83b1e15-36f3-4f46-aceb-05aac24c545e" providerId="ADAL" clId="{EE78B4C3-BA47-2B47-8B84-4022815E3587}" dt="2019-05-14T13:34:18.851" v="46"/>
+          <ac:spMkLst>
+            <pc:docMk/>
+            <pc:sldMk cId="3161117264" sldId="373"/>
+            <ac:spMk id="6" creationId="{E9F1DC46-4FA4-D444-A7D6-705144867080}"/>
+          </ac:spMkLst>
+        </pc:spChg>
+      </pc:sldChg>
+      <pc:sldChg chg="delSp add">
+        <pc:chgData name="Khattab, Sherif" userId="c83b1e15-36f3-4f46-aceb-05aac24c545e" providerId="ADAL" clId="{EE78B4C3-BA47-2B47-8B84-4022815E3587}" dt="2019-05-14T13:34:18.851" v="46"/>
+        <pc:sldMkLst>
+          <pc:docMk/>
+          <pc:sldMk cId="1542066946" sldId="374"/>
+        </pc:sldMkLst>
+        <pc:spChg chg="del">
+          <ac:chgData name="Khattab, Sherif" userId="c83b1e15-36f3-4f46-aceb-05aac24c545e" providerId="ADAL" clId="{EE78B4C3-BA47-2B47-8B84-4022815E3587}" dt="2019-05-14T13:34:18.851" v="46"/>
+          <ac:spMkLst>
+            <pc:docMk/>
+            <pc:sldMk cId="1542066946" sldId="374"/>
+            <ac:spMk id="6" creationId="{D50D1AE2-A719-F648-ABE5-1D2605CF399A}"/>
+          </ac:spMkLst>
+        </pc:spChg>
+      </pc:sldChg>
+      <pc:sldChg chg="delSp add">
+        <pc:chgData name="Khattab, Sherif" userId="c83b1e15-36f3-4f46-aceb-05aac24c545e" providerId="ADAL" clId="{EE78B4C3-BA47-2B47-8B84-4022815E3587}" dt="2019-05-14T13:34:18.851" v="46"/>
+        <pc:sldMkLst>
+          <pc:docMk/>
+          <pc:sldMk cId="834112894" sldId="375"/>
+        </pc:sldMkLst>
+        <pc:spChg chg="del">
+          <ac:chgData name="Khattab, Sherif" userId="c83b1e15-36f3-4f46-aceb-05aac24c545e" providerId="ADAL" clId="{EE78B4C3-BA47-2B47-8B84-4022815E3587}" dt="2019-05-14T13:34:18.851" v="46"/>
+          <ac:spMkLst>
+            <pc:docMk/>
+            <pc:sldMk cId="834112894" sldId="375"/>
+            <ac:spMk id="6" creationId="{429B8308-B899-EF4A-97A6-3EEDF546FBBB}"/>
+          </ac:spMkLst>
+        </pc:spChg>
+      </pc:sldChg>
+      <pc:sldChg chg="delSp add">
+        <pc:chgData name="Khattab, Sherif" userId="c83b1e15-36f3-4f46-aceb-05aac24c545e" providerId="ADAL" clId="{EE78B4C3-BA47-2B47-8B84-4022815E3587}" dt="2019-05-14T13:34:18.851" v="46"/>
+        <pc:sldMkLst>
+          <pc:docMk/>
+          <pc:sldMk cId="1165577892" sldId="376"/>
+        </pc:sldMkLst>
+        <pc:spChg chg="del">
+          <ac:chgData name="Khattab, Sherif" userId="c83b1e15-36f3-4f46-aceb-05aac24c545e" providerId="ADAL" clId="{EE78B4C3-BA47-2B47-8B84-4022815E3587}" dt="2019-05-14T13:34:18.851" v="46"/>
+          <ac:spMkLst>
+            <pc:docMk/>
+            <pc:sldMk cId="1165577892" sldId="376"/>
+            <ac:spMk id="42" creationId="{27F42901-D1CE-084B-9E38-96413317B8CF}"/>
+          </ac:spMkLst>
+        </pc:spChg>
+      </pc:sldChg>
+      <pc:sldChg chg="delSp add">
+        <pc:chgData name="Khattab, Sherif" userId="c83b1e15-36f3-4f46-aceb-05aac24c545e" providerId="ADAL" clId="{EE78B4C3-BA47-2B47-8B84-4022815E3587}" dt="2019-05-14T13:34:18.851" v="46"/>
+        <pc:sldMkLst>
+          <pc:docMk/>
+          <pc:sldMk cId="1942139729" sldId="377"/>
+        </pc:sldMkLst>
+        <pc:spChg chg="del">
+          <ac:chgData name="Khattab, Sherif" userId="c83b1e15-36f3-4f46-aceb-05aac24c545e" providerId="ADAL" clId="{EE78B4C3-BA47-2B47-8B84-4022815E3587}" dt="2019-05-14T13:34:18.851" v="46"/>
+          <ac:spMkLst>
+            <pc:docMk/>
+            <pc:sldMk cId="1942139729" sldId="377"/>
+            <ac:spMk id="9" creationId="{68716DFF-FDE6-F443-A890-77FBFB539BEB}"/>
+          </ac:spMkLst>
+        </pc:spChg>
+      </pc:sldChg>
+      <pc:sldChg chg="delSp add">
+        <pc:chgData name="Khattab, Sherif" userId="c83b1e15-36f3-4f46-aceb-05aac24c545e" providerId="ADAL" clId="{EE78B4C3-BA47-2B47-8B84-4022815E3587}" dt="2019-05-14T13:34:18.851" v="46"/>
+        <pc:sldMkLst>
+          <pc:docMk/>
+          <pc:sldMk cId="3990797458" sldId="378"/>
+        </pc:sldMkLst>
+        <pc:spChg chg="del">
+          <ac:chgData name="Khattab, Sherif" userId="c83b1e15-36f3-4f46-aceb-05aac24c545e" providerId="ADAL" clId="{EE78B4C3-BA47-2B47-8B84-4022815E3587}" dt="2019-05-14T13:34:18.851" v="46"/>
+          <ac:spMkLst>
+            <pc:docMk/>
+            <pc:sldMk cId="3990797458" sldId="378"/>
+            <ac:spMk id="6" creationId="{ADE8E4C1-F96E-1346-A961-80E2D6A49C9A}"/>
+          </ac:spMkLst>
+        </pc:spChg>
+      </pc:sldChg>
+      <pc:sldChg chg="delSp add">
+        <pc:chgData name="Khattab, Sherif" userId="c83b1e15-36f3-4f46-aceb-05aac24c545e" providerId="ADAL" clId="{EE78B4C3-BA47-2B47-8B84-4022815E3587}" dt="2019-05-14T13:34:18.851" v="46"/>
+        <pc:sldMkLst>
+          <pc:docMk/>
+          <pc:sldMk cId="2736486443" sldId="379"/>
+        </pc:sldMkLst>
+        <pc:spChg chg="del">
+          <ac:chgData name="Khattab, Sherif" userId="c83b1e15-36f3-4f46-aceb-05aac24c545e" providerId="ADAL" clId="{EE78B4C3-BA47-2B47-8B84-4022815E3587}" dt="2019-05-14T13:34:18.851" v="46"/>
+          <ac:spMkLst>
+            <pc:docMk/>
+            <pc:sldMk cId="2736486443" sldId="379"/>
+            <ac:spMk id="9" creationId="{68630AFF-8EA0-D641-8FA2-6949259437AD}"/>
+          </ac:spMkLst>
+        </pc:spChg>
+      </pc:sldChg>
+      <pc:sldChg chg="delSp add">
+        <pc:chgData name="Khattab, Sherif" userId="c83b1e15-36f3-4f46-aceb-05aac24c545e" providerId="ADAL" clId="{EE78B4C3-BA47-2B47-8B84-4022815E3587}" dt="2019-05-14T13:34:18.851" v="46"/>
+        <pc:sldMkLst>
+          <pc:docMk/>
+          <pc:sldMk cId="541381985" sldId="380"/>
+        </pc:sldMkLst>
+        <pc:spChg chg="del">
+          <ac:chgData name="Khattab, Sherif" userId="c83b1e15-36f3-4f46-aceb-05aac24c545e" providerId="ADAL" clId="{EE78B4C3-BA47-2B47-8B84-4022815E3587}" dt="2019-05-14T13:34:18.851" v="46"/>
+          <ac:spMkLst>
+            <pc:docMk/>
+            <pc:sldMk cId="541381985" sldId="380"/>
+            <ac:spMk id="25" creationId="{4D20C47B-3C18-E64F-95ED-21B263511FAD}"/>
+          </ac:spMkLst>
+        </pc:spChg>
+      </pc:sldChg>
+      <pc:sldChg chg="delSp add">
+        <pc:chgData name="Khattab, Sherif" userId="c83b1e15-36f3-4f46-aceb-05aac24c545e" providerId="ADAL" clId="{EE78B4C3-BA47-2B47-8B84-4022815E3587}" dt="2019-05-14T13:34:18.851" v="46"/>
+        <pc:sldMkLst>
+          <pc:docMk/>
+          <pc:sldMk cId="2235897330" sldId="381"/>
+        </pc:sldMkLst>
+        <pc:spChg chg="del">
+          <ac:chgData name="Khattab, Sherif" userId="c83b1e15-36f3-4f46-aceb-05aac24c545e" providerId="ADAL" clId="{EE78B4C3-BA47-2B47-8B84-4022815E3587}" dt="2019-05-14T13:34:18.851" v="46"/>
+          <ac:spMkLst>
+            <pc:docMk/>
+            <pc:sldMk cId="2235897330" sldId="381"/>
+            <ac:spMk id="8" creationId="{9D3BDADA-F567-BD4E-9F02-7C5462E120E7}"/>
+          </ac:spMkLst>
+        </pc:spChg>
+      </pc:sldChg>
+      <pc:sldChg chg="delSp add">
+        <pc:chgData name="Khattab, Sherif" userId="c83b1e15-36f3-4f46-aceb-05aac24c545e" providerId="ADAL" clId="{EE78B4C3-BA47-2B47-8B84-4022815E3587}" dt="2019-05-14T13:34:18.851" v="46"/>
+        <pc:sldMkLst>
+          <pc:docMk/>
+          <pc:sldMk cId="3360044446" sldId="382"/>
+        </pc:sldMkLst>
+        <pc:spChg chg="del">
+          <ac:chgData name="Khattab, Sherif" userId="c83b1e15-36f3-4f46-aceb-05aac24c545e" providerId="ADAL" clId="{EE78B4C3-BA47-2B47-8B84-4022815E3587}" dt="2019-05-14T13:34:18.851" v="46"/>
+          <ac:spMkLst>
+            <pc:docMk/>
+            <pc:sldMk cId="3360044446" sldId="382"/>
+            <ac:spMk id="8" creationId="{90688045-CAEF-334F-9E8D-5DE392BB31B7}"/>
+          </ac:spMkLst>
+        </pc:spChg>
+      </pc:sldChg>
+      <pc:sldChg chg="delSp add">
+        <pc:chgData name="Khattab, Sherif" userId="c83b1e15-36f3-4f46-aceb-05aac24c545e" providerId="ADAL" clId="{EE78B4C3-BA47-2B47-8B84-4022815E3587}" dt="2019-05-14T13:34:18.851" v="46"/>
+        <pc:sldMkLst>
+          <pc:docMk/>
+          <pc:sldMk cId="1954384084" sldId="383"/>
+        </pc:sldMkLst>
+        <pc:spChg chg="del">
+          <ac:chgData name="Khattab, Sherif" userId="c83b1e15-36f3-4f46-aceb-05aac24c545e" providerId="ADAL" clId="{EE78B4C3-BA47-2B47-8B84-4022815E3587}" dt="2019-05-14T13:34:18.851" v="46"/>
+          <ac:spMkLst>
+            <pc:docMk/>
+            <pc:sldMk cId="1954384084" sldId="383"/>
+            <ac:spMk id="8" creationId="{307391A8-557A-8A4A-8E68-85B54349ED8F}"/>
+          </ac:spMkLst>
+        </pc:spChg>
+      </pc:sldChg>
+      <pc:sldChg chg="delSp add">
+        <pc:chgData name="Khattab, Sherif" userId="c83b1e15-36f3-4f46-aceb-05aac24c545e" providerId="ADAL" clId="{EE78B4C3-BA47-2B47-8B84-4022815E3587}" dt="2019-05-14T13:34:18.851" v="46"/>
+        <pc:sldMkLst>
+          <pc:docMk/>
+          <pc:sldMk cId="220759689" sldId="384"/>
+        </pc:sldMkLst>
+        <pc:spChg chg="del">
+          <ac:chgData name="Khattab, Sherif" userId="c83b1e15-36f3-4f46-aceb-05aac24c545e" providerId="ADAL" clId="{EE78B4C3-BA47-2B47-8B84-4022815E3587}" dt="2019-05-14T13:34:18.851" v="46"/>
+          <ac:spMkLst>
+            <pc:docMk/>
+            <pc:sldMk cId="220759689" sldId="384"/>
+            <ac:spMk id="6" creationId="{E1DC0099-5926-8C42-9144-C73482BF1FE7}"/>
+          </ac:spMkLst>
+        </pc:spChg>
+      </pc:sldChg>
+      <pc:sldChg chg="delSp add">
+        <pc:chgData name="Khattab, Sherif" userId="c83b1e15-36f3-4f46-aceb-05aac24c545e" providerId="ADAL" clId="{EE78B4C3-BA47-2B47-8B84-4022815E3587}" dt="2019-05-14T13:34:18.851" v="46"/>
+        <pc:sldMkLst>
+          <pc:docMk/>
+          <pc:sldMk cId="2809799376" sldId="385"/>
+        </pc:sldMkLst>
+        <pc:spChg chg="del">
+          <ac:chgData name="Khattab, Sherif" userId="c83b1e15-36f3-4f46-aceb-05aac24c545e" providerId="ADAL" clId="{EE78B4C3-BA47-2B47-8B84-4022815E3587}" dt="2019-05-14T13:34:18.851" v="46"/>
+          <ac:spMkLst>
+            <pc:docMk/>
+            <pc:sldMk cId="2809799376" sldId="385"/>
+            <ac:spMk id="8" creationId="{0E14A1DC-F2CD-F64B-A516-0E10067BD269}"/>
+          </ac:spMkLst>
+        </pc:spChg>
+      </pc:sldChg>
+    </pc:docChg>
+  </pc:docChgLst>
+  <pc:docChgLst>
     <pc:chgData name="Khattab, Sherif" userId="c83b1e15-36f3-4f46-aceb-05aac24c545e" providerId="ADAL" clId="{79D9A848-63DC-C04B-A37B-45CD4B398B25}"/>
     <pc:docChg chg="sldOrd">
       <pc:chgData name="Khattab, Sherif" userId="c83b1e15-36f3-4f46-aceb-05aac24c545e" providerId="ADAL" clId="{79D9A848-63DC-C04B-A37B-45CD4B398B25}" dt="2020-10-07T03:45:55.390" v="0" actId="20578"/>
@@ -7505,788 +8327,6 @@
           <pc:docMk/>
           <pc:sldMk cId="434376579" sldId="363"/>
         </pc:sldMkLst>
-      </pc:sldChg>
-    </pc:docChg>
-  </pc:docChgLst>
-  <pc:docChgLst>
-    <pc:chgData name="Khattab, Sherif" userId="c83b1e15-36f3-4f46-aceb-05aac24c545e" providerId="ADAL" clId="{EE78B4C3-BA47-2B47-8B84-4022815E3587}"/>
-    <pc:docChg chg="addSld delSld modSld">
-      <pc:chgData name="Khattab, Sherif" userId="c83b1e15-36f3-4f46-aceb-05aac24c545e" providerId="ADAL" clId="{EE78B4C3-BA47-2B47-8B84-4022815E3587}" dt="2019-05-14T13:34:18.851" v="46"/>
-      <pc:docMkLst>
-        <pc:docMk/>
-      </pc:docMkLst>
-      <pc:sldChg chg="modSp">
-        <pc:chgData name="Khattab, Sherif" userId="c83b1e15-36f3-4f46-aceb-05aac24c545e" providerId="ADAL" clId="{EE78B4C3-BA47-2B47-8B84-4022815E3587}" dt="2019-05-14T13:28:04.131" v="18" actId="20577"/>
-        <pc:sldMkLst>
-          <pc:docMk/>
-          <pc:sldMk cId="0" sldId="256"/>
-        </pc:sldMkLst>
-        <pc:spChg chg="mod">
-          <ac:chgData name="Khattab, Sherif" userId="c83b1e15-36f3-4f46-aceb-05aac24c545e" providerId="ADAL" clId="{EE78B4C3-BA47-2B47-8B84-4022815E3587}" dt="2019-05-14T13:28:04.131" v="18" actId="20577"/>
-          <ac:spMkLst>
-            <pc:docMk/>
-            <pc:sldMk cId="0" sldId="256"/>
-            <ac:spMk id="2" creationId="{00000000-0000-0000-0000-000000000000}"/>
-          </ac:spMkLst>
-        </pc:spChg>
-      </pc:sldChg>
-      <pc:sldChg chg="delSp">
-        <pc:chgData name="Khattab, Sherif" userId="c83b1e15-36f3-4f46-aceb-05aac24c545e" providerId="ADAL" clId="{EE78B4C3-BA47-2B47-8B84-4022815E3587}" dt="2019-05-14T13:30:07.468" v="20"/>
-        <pc:sldMkLst>
-          <pc:docMk/>
-          <pc:sldMk cId="1004035158" sldId="259"/>
-        </pc:sldMkLst>
-        <pc:spChg chg="del">
-          <ac:chgData name="Khattab, Sherif" userId="c83b1e15-36f3-4f46-aceb-05aac24c545e" providerId="ADAL" clId="{EE78B4C3-BA47-2B47-8B84-4022815E3587}" dt="2019-05-14T13:30:07.468" v="20"/>
-          <ac:spMkLst>
-            <pc:docMk/>
-            <pc:sldMk cId="1004035158" sldId="259"/>
-            <ac:spMk id="2" creationId="{00000000-0000-0000-0000-000000000000}"/>
-          </ac:spMkLst>
-        </pc:spChg>
-      </pc:sldChg>
-      <pc:sldChg chg="delSp">
-        <pc:chgData name="Khattab, Sherif" userId="c83b1e15-36f3-4f46-aceb-05aac24c545e" providerId="ADAL" clId="{EE78B4C3-BA47-2B47-8B84-4022815E3587}" dt="2019-05-14T13:30:07.468" v="20"/>
-        <pc:sldMkLst>
-          <pc:docMk/>
-          <pc:sldMk cId="1444142485" sldId="261"/>
-        </pc:sldMkLst>
-        <pc:spChg chg="del">
-          <ac:chgData name="Khattab, Sherif" userId="c83b1e15-36f3-4f46-aceb-05aac24c545e" providerId="ADAL" clId="{EE78B4C3-BA47-2B47-8B84-4022815E3587}" dt="2019-05-14T13:30:07.468" v="20"/>
-          <ac:spMkLst>
-            <pc:docMk/>
-            <pc:sldMk cId="1444142485" sldId="261"/>
-            <ac:spMk id="3" creationId="{00000000-0000-0000-0000-000000000000}"/>
-          </ac:spMkLst>
-        </pc:spChg>
-      </pc:sldChg>
-      <pc:sldChg chg="delSp">
-        <pc:chgData name="Khattab, Sherif" userId="c83b1e15-36f3-4f46-aceb-05aac24c545e" providerId="ADAL" clId="{EE78B4C3-BA47-2B47-8B84-4022815E3587}" dt="2019-05-14T13:30:07.468" v="20"/>
-        <pc:sldMkLst>
-          <pc:docMk/>
-          <pc:sldMk cId="516417489" sldId="262"/>
-        </pc:sldMkLst>
-        <pc:spChg chg="del">
-          <ac:chgData name="Khattab, Sherif" userId="c83b1e15-36f3-4f46-aceb-05aac24c545e" providerId="ADAL" clId="{EE78B4C3-BA47-2B47-8B84-4022815E3587}" dt="2019-05-14T13:30:07.468" v="20"/>
-          <ac:spMkLst>
-            <pc:docMk/>
-            <pc:sldMk cId="516417489" sldId="262"/>
-            <ac:spMk id="2" creationId="{00000000-0000-0000-0000-000000000000}"/>
-          </ac:spMkLst>
-        </pc:spChg>
-      </pc:sldChg>
-      <pc:sldChg chg="delSp">
-        <pc:chgData name="Khattab, Sherif" userId="c83b1e15-36f3-4f46-aceb-05aac24c545e" providerId="ADAL" clId="{EE78B4C3-BA47-2B47-8B84-4022815E3587}" dt="2019-05-14T13:30:07.468" v="20"/>
-        <pc:sldMkLst>
-          <pc:docMk/>
-          <pc:sldMk cId="561583903" sldId="263"/>
-        </pc:sldMkLst>
-        <pc:spChg chg="del">
-          <ac:chgData name="Khattab, Sherif" userId="c83b1e15-36f3-4f46-aceb-05aac24c545e" providerId="ADAL" clId="{EE78B4C3-BA47-2B47-8B84-4022815E3587}" dt="2019-05-14T13:30:07.468" v="20"/>
-          <ac:spMkLst>
-            <pc:docMk/>
-            <pc:sldMk cId="561583903" sldId="263"/>
-            <ac:spMk id="3" creationId="{00000000-0000-0000-0000-000000000000}"/>
-          </ac:spMkLst>
-        </pc:spChg>
-      </pc:sldChg>
-      <pc:sldChg chg="delSp">
-        <pc:chgData name="Khattab, Sherif" userId="c83b1e15-36f3-4f46-aceb-05aac24c545e" providerId="ADAL" clId="{EE78B4C3-BA47-2B47-8B84-4022815E3587}" dt="2019-05-14T13:30:07.468" v="20"/>
-        <pc:sldMkLst>
-          <pc:docMk/>
-          <pc:sldMk cId="982315759" sldId="264"/>
-        </pc:sldMkLst>
-        <pc:spChg chg="del">
-          <ac:chgData name="Khattab, Sherif" userId="c83b1e15-36f3-4f46-aceb-05aac24c545e" providerId="ADAL" clId="{EE78B4C3-BA47-2B47-8B84-4022815E3587}" dt="2019-05-14T13:30:07.468" v="20"/>
-          <ac:spMkLst>
-            <pc:docMk/>
-            <pc:sldMk cId="982315759" sldId="264"/>
-            <ac:spMk id="2" creationId="{00000000-0000-0000-0000-000000000000}"/>
-          </ac:spMkLst>
-        </pc:spChg>
-      </pc:sldChg>
-      <pc:sldChg chg="delSp modSp">
-        <pc:chgData name="Khattab, Sherif" userId="c83b1e15-36f3-4f46-aceb-05aac24c545e" providerId="ADAL" clId="{EE78B4C3-BA47-2B47-8B84-4022815E3587}" dt="2019-05-14T13:30:35.317" v="37" actId="20577"/>
-        <pc:sldMkLst>
-          <pc:docMk/>
-          <pc:sldMk cId="423130617" sldId="265"/>
-        </pc:sldMkLst>
-        <pc:spChg chg="del">
-          <ac:chgData name="Khattab, Sherif" userId="c83b1e15-36f3-4f46-aceb-05aac24c545e" providerId="ADAL" clId="{EE78B4C3-BA47-2B47-8B84-4022815E3587}" dt="2019-05-14T13:30:07.468" v="20"/>
-          <ac:spMkLst>
-            <pc:docMk/>
-            <pc:sldMk cId="423130617" sldId="265"/>
-            <ac:spMk id="3" creationId="{00000000-0000-0000-0000-000000000000}"/>
-          </ac:spMkLst>
-        </pc:spChg>
-        <pc:spChg chg="mod">
-          <ac:chgData name="Khattab, Sherif" userId="c83b1e15-36f3-4f46-aceb-05aac24c545e" providerId="ADAL" clId="{EE78B4C3-BA47-2B47-8B84-4022815E3587}" dt="2019-05-14T13:30:35.317" v="37" actId="20577"/>
-          <ac:spMkLst>
-            <pc:docMk/>
-            <pc:sldMk cId="423130617" sldId="265"/>
-            <ac:spMk id="12290" creationId="{00000000-0000-0000-0000-000000000000}"/>
-          </ac:spMkLst>
-        </pc:spChg>
-      </pc:sldChg>
-      <pc:sldChg chg="delSp">
-        <pc:chgData name="Khattab, Sherif" userId="c83b1e15-36f3-4f46-aceb-05aac24c545e" providerId="ADAL" clId="{EE78B4C3-BA47-2B47-8B84-4022815E3587}" dt="2019-05-14T13:30:07.468" v="20"/>
-        <pc:sldMkLst>
-          <pc:docMk/>
-          <pc:sldMk cId="661211275" sldId="267"/>
-        </pc:sldMkLst>
-        <pc:spChg chg="del">
-          <ac:chgData name="Khattab, Sherif" userId="c83b1e15-36f3-4f46-aceb-05aac24c545e" providerId="ADAL" clId="{EE78B4C3-BA47-2B47-8B84-4022815E3587}" dt="2019-05-14T13:30:07.468" v="20"/>
-          <ac:spMkLst>
-            <pc:docMk/>
-            <pc:sldMk cId="661211275" sldId="267"/>
-            <ac:spMk id="2" creationId="{00000000-0000-0000-0000-000000000000}"/>
-          </ac:spMkLst>
-        </pc:spChg>
-      </pc:sldChg>
-      <pc:sldChg chg="delSp">
-        <pc:chgData name="Khattab, Sherif" userId="c83b1e15-36f3-4f46-aceb-05aac24c545e" providerId="ADAL" clId="{EE78B4C3-BA47-2B47-8B84-4022815E3587}" dt="2019-05-14T13:30:07.468" v="20"/>
-        <pc:sldMkLst>
-          <pc:docMk/>
-          <pc:sldMk cId="1897509347" sldId="268"/>
-        </pc:sldMkLst>
-        <pc:spChg chg="del">
-          <ac:chgData name="Khattab, Sherif" userId="c83b1e15-36f3-4f46-aceb-05aac24c545e" providerId="ADAL" clId="{EE78B4C3-BA47-2B47-8B84-4022815E3587}" dt="2019-05-14T13:30:07.468" v="20"/>
-          <ac:spMkLst>
-            <pc:docMk/>
-            <pc:sldMk cId="1897509347" sldId="268"/>
-            <ac:spMk id="2" creationId="{00000000-0000-0000-0000-000000000000}"/>
-          </ac:spMkLst>
-        </pc:spChg>
-      </pc:sldChg>
-      <pc:sldChg chg="delSp">
-        <pc:chgData name="Khattab, Sherif" userId="c83b1e15-36f3-4f46-aceb-05aac24c545e" providerId="ADAL" clId="{EE78B4C3-BA47-2B47-8B84-4022815E3587}" dt="2019-05-14T13:30:07.468" v="20"/>
-        <pc:sldMkLst>
-          <pc:docMk/>
-          <pc:sldMk cId="1042310649" sldId="269"/>
-        </pc:sldMkLst>
-        <pc:spChg chg="del">
-          <ac:chgData name="Khattab, Sherif" userId="c83b1e15-36f3-4f46-aceb-05aac24c545e" providerId="ADAL" clId="{EE78B4C3-BA47-2B47-8B84-4022815E3587}" dt="2019-05-14T13:30:07.468" v="20"/>
-          <ac:spMkLst>
-            <pc:docMk/>
-            <pc:sldMk cId="1042310649" sldId="269"/>
-            <ac:spMk id="3" creationId="{00000000-0000-0000-0000-000000000000}"/>
-          </ac:spMkLst>
-        </pc:spChg>
-      </pc:sldChg>
-      <pc:sldChg chg="delSp">
-        <pc:chgData name="Khattab, Sherif" userId="c83b1e15-36f3-4f46-aceb-05aac24c545e" providerId="ADAL" clId="{EE78B4C3-BA47-2B47-8B84-4022815E3587}" dt="2019-05-14T13:30:07.468" v="20"/>
-        <pc:sldMkLst>
-          <pc:docMk/>
-          <pc:sldMk cId="703361262" sldId="270"/>
-        </pc:sldMkLst>
-        <pc:spChg chg="del">
-          <ac:chgData name="Khattab, Sherif" userId="c83b1e15-36f3-4f46-aceb-05aac24c545e" providerId="ADAL" clId="{EE78B4C3-BA47-2B47-8B84-4022815E3587}" dt="2019-05-14T13:30:07.468" v="20"/>
-          <ac:spMkLst>
-            <pc:docMk/>
-            <pc:sldMk cId="703361262" sldId="270"/>
-            <ac:spMk id="3" creationId="{00000000-0000-0000-0000-000000000000}"/>
-          </ac:spMkLst>
-        </pc:spChg>
-      </pc:sldChg>
-      <pc:sldChg chg="delSp">
-        <pc:chgData name="Khattab, Sherif" userId="c83b1e15-36f3-4f46-aceb-05aac24c545e" providerId="ADAL" clId="{EE78B4C3-BA47-2B47-8B84-4022815E3587}" dt="2019-05-14T13:30:07.468" v="20"/>
-        <pc:sldMkLst>
-          <pc:docMk/>
-          <pc:sldMk cId="1436808390" sldId="271"/>
-        </pc:sldMkLst>
-        <pc:spChg chg="del">
-          <ac:chgData name="Khattab, Sherif" userId="c83b1e15-36f3-4f46-aceb-05aac24c545e" providerId="ADAL" clId="{EE78B4C3-BA47-2B47-8B84-4022815E3587}" dt="2019-05-14T13:30:07.468" v="20"/>
-          <ac:spMkLst>
-            <pc:docMk/>
-            <pc:sldMk cId="1436808390" sldId="271"/>
-            <ac:spMk id="2" creationId="{00000000-0000-0000-0000-000000000000}"/>
-          </ac:spMkLst>
-        </pc:spChg>
-      </pc:sldChg>
-      <pc:sldChg chg="delSp">
-        <pc:chgData name="Khattab, Sherif" userId="c83b1e15-36f3-4f46-aceb-05aac24c545e" providerId="ADAL" clId="{EE78B4C3-BA47-2B47-8B84-4022815E3587}" dt="2019-05-14T13:30:07.468" v="20"/>
-        <pc:sldMkLst>
-          <pc:docMk/>
-          <pc:sldMk cId="1301683851" sldId="272"/>
-        </pc:sldMkLst>
-        <pc:spChg chg="del">
-          <ac:chgData name="Khattab, Sherif" userId="c83b1e15-36f3-4f46-aceb-05aac24c545e" providerId="ADAL" clId="{EE78B4C3-BA47-2B47-8B84-4022815E3587}" dt="2019-05-14T13:30:07.468" v="20"/>
-          <ac:spMkLst>
-            <pc:docMk/>
-            <pc:sldMk cId="1301683851" sldId="272"/>
-            <ac:spMk id="3" creationId="{00000000-0000-0000-0000-000000000000}"/>
-          </ac:spMkLst>
-        </pc:spChg>
-      </pc:sldChg>
-      <pc:sldChg chg="delSp">
-        <pc:chgData name="Khattab, Sherif" userId="c83b1e15-36f3-4f46-aceb-05aac24c545e" providerId="ADAL" clId="{EE78B4C3-BA47-2B47-8B84-4022815E3587}" dt="2019-05-14T13:30:07.468" v="20"/>
-        <pc:sldMkLst>
-          <pc:docMk/>
-          <pc:sldMk cId="55302999" sldId="274"/>
-        </pc:sldMkLst>
-        <pc:spChg chg="del">
-          <ac:chgData name="Khattab, Sherif" userId="c83b1e15-36f3-4f46-aceb-05aac24c545e" providerId="ADAL" clId="{EE78B4C3-BA47-2B47-8B84-4022815E3587}" dt="2019-05-14T13:30:07.468" v="20"/>
-          <ac:spMkLst>
-            <pc:docMk/>
-            <pc:sldMk cId="55302999" sldId="274"/>
-            <ac:spMk id="2" creationId="{00000000-0000-0000-0000-000000000000}"/>
-          </ac:spMkLst>
-        </pc:spChg>
-      </pc:sldChg>
-      <pc:sldChg chg="delSp">
-        <pc:chgData name="Khattab, Sherif" userId="c83b1e15-36f3-4f46-aceb-05aac24c545e" providerId="ADAL" clId="{EE78B4C3-BA47-2B47-8B84-4022815E3587}" dt="2019-05-14T13:30:07.468" v="20"/>
-        <pc:sldMkLst>
-          <pc:docMk/>
-          <pc:sldMk cId="2064114192" sldId="276"/>
-        </pc:sldMkLst>
-        <pc:spChg chg="del">
-          <ac:chgData name="Khattab, Sherif" userId="c83b1e15-36f3-4f46-aceb-05aac24c545e" providerId="ADAL" clId="{EE78B4C3-BA47-2B47-8B84-4022815E3587}" dt="2019-05-14T13:30:07.468" v="20"/>
-          <ac:spMkLst>
-            <pc:docMk/>
-            <pc:sldMk cId="2064114192" sldId="276"/>
-            <ac:spMk id="2" creationId="{00000000-0000-0000-0000-000000000000}"/>
-          </ac:spMkLst>
-        </pc:spChg>
-      </pc:sldChg>
-      <pc:sldChg chg="delSp">
-        <pc:chgData name="Khattab, Sherif" userId="c83b1e15-36f3-4f46-aceb-05aac24c545e" providerId="ADAL" clId="{EE78B4C3-BA47-2B47-8B84-4022815E3587}" dt="2019-05-14T13:30:07.468" v="20"/>
-        <pc:sldMkLst>
-          <pc:docMk/>
-          <pc:sldMk cId="1000435174" sldId="278"/>
-        </pc:sldMkLst>
-        <pc:spChg chg="del">
-          <ac:chgData name="Khattab, Sherif" userId="c83b1e15-36f3-4f46-aceb-05aac24c545e" providerId="ADAL" clId="{EE78B4C3-BA47-2B47-8B84-4022815E3587}" dt="2019-05-14T13:30:07.468" v="20"/>
-          <ac:spMkLst>
-            <pc:docMk/>
-            <pc:sldMk cId="1000435174" sldId="278"/>
-            <ac:spMk id="2" creationId="{00000000-0000-0000-0000-000000000000}"/>
-          </ac:spMkLst>
-        </pc:spChg>
-      </pc:sldChg>
-      <pc:sldChg chg="delSp">
-        <pc:chgData name="Khattab, Sherif" userId="c83b1e15-36f3-4f46-aceb-05aac24c545e" providerId="ADAL" clId="{EE78B4C3-BA47-2B47-8B84-4022815E3587}" dt="2019-05-14T13:30:07.468" v="20"/>
-        <pc:sldMkLst>
-          <pc:docMk/>
-          <pc:sldMk cId="2080017563" sldId="279"/>
-        </pc:sldMkLst>
-        <pc:spChg chg="del">
-          <ac:chgData name="Khattab, Sherif" userId="c83b1e15-36f3-4f46-aceb-05aac24c545e" providerId="ADAL" clId="{EE78B4C3-BA47-2B47-8B84-4022815E3587}" dt="2019-05-14T13:30:07.468" v="20"/>
-          <ac:spMkLst>
-            <pc:docMk/>
-            <pc:sldMk cId="2080017563" sldId="279"/>
-            <ac:spMk id="3" creationId="{00000000-0000-0000-0000-000000000000}"/>
-          </ac:spMkLst>
-        </pc:spChg>
-      </pc:sldChg>
-      <pc:sldChg chg="delSp">
-        <pc:chgData name="Khattab, Sherif" userId="c83b1e15-36f3-4f46-aceb-05aac24c545e" providerId="ADAL" clId="{EE78B4C3-BA47-2B47-8B84-4022815E3587}" dt="2019-05-14T13:30:07.468" v="20"/>
-        <pc:sldMkLst>
-          <pc:docMk/>
-          <pc:sldMk cId="1445345591" sldId="281"/>
-        </pc:sldMkLst>
-        <pc:spChg chg="del">
-          <ac:chgData name="Khattab, Sherif" userId="c83b1e15-36f3-4f46-aceb-05aac24c545e" providerId="ADAL" clId="{EE78B4C3-BA47-2B47-8B84-4022815E3587}" dt="2019-05-14T13:30:07.468" v="20"/>
-          <ac:spMkLst>
-            <pc:docMk/>
-            <pc:sldMk cId="1445345591" sldId="281"/>
-            <ac:spMk id="2" creationId="{00000000-0000-0000-0000-000000000000}"/>
-          </ac:spMkLst>
-        </pc:spChg>
-      </pc:sldChg>
-      <pc:sldChg chg="delSp">
-        <pc:chgData name="Khattab, Sherif" userId="c83b1e15-36f3-4f46-aceb-05aac24c545e" providerId="ADAL" clId="{EE78B4C3-BA47-2B47-8B84-4022815E3587}" dt="2019-05-14T13:30:07.468" v="20"/>
-        <pc:sldMkLst>
-          <pc:docMk/>
-          <pc:sldMk cId="306268545" sldId="282"/>
-        </pc:sldMkLst>
-        <pc:spChg chg="del">
-          <ac:chgData name="Khattab, Sherif" userId="c83b1e15-36f3-4f46-aceb-05aac24c545e" providerId="ADAL" clId="{EE78B4C3-BA47-2B47-8B84-4022815E3587}" dt="2019-05-14T13:30:07.468" v="20"/>
-          <ac:spMkLst>
-            <pc:docMk/>
-            <pc:sldMk cId="306268545" sldId="282"/>
-            <ac:spMk id="2" creationId="{00000000-0000-0000-0000-000000000000}"/>
-          </ac:spMkLst>
-        </pc:spChg>
-      </pc:sldChg>
-      <pc:sldChg chg="delSp add">
-        <pc:chgData name="Khattab, Sherif" userId="c83b1e15-36f3-4f46-aceb-05aac24c545e" providerId="ADAL" clId="{EE78B4C3-BA47-2B47-8B84-4022815E3587}" dt="2019-05-14T13:34:18.851" v="46"/>
-        <pc:sldMkLst>
-          <pc:docMk/>
-          <pc:sldMk cId="2710637777" sldId="322"/>
-        </pc:sldMkLst>
-        <pc:spChg chg="del">
-          <ac:chgData name="Khattab, Sherif" userId="c83b1e15-36f3-4f46-aceb-05aac24c545e" providerId="ADAL" clId="{EE78B4C3-BA47-2B47-8B84-4022815E3587}" dt="2019-05-14T13:34:18.851" v="46"/>
-          <ac:spMkLst>
-            <pc:docMk/>
-            <pc:sldMk cId="2710637777" sldId="322"/>
-            <ac:spMk id="6" creationId="{0700C6EC-DCCB-614E-A0F4-3418D2D78AC7}"/>
-          </ac:spMkLst>
-        </pc:spChg>
-      </pc:sldChg>
-      <pc:sldChg chg="delSp add">
-        <pc:chgData name="Khattab, Sherif" userId="c83b1e15-36f3-4f46-aceb-05aac24c545e" providerId="ADAL" clId="{EE78B4C3-BA47-2B47-8B84-4022815E3587}" dt="2019-05-14T13:34:18.851" v="46"/>
-        <pc:sldMkLst>
-          <pc:docMk/>
-          <pc:sldMk cId="3292918179" sldId="324"/>
-        </pc:sldMkLst>
-        <pc:spChg chg="del">
-          <ac:chgData name="Khattab, Sherif" userId="c83b1e15-36f3-4f46-aceb-05aac24c545e" providerId="ADAL" clId="{EE78B4C3-BA47-2B47-8B84-4022815E3587}" dt="2019-05-14T13:34:18.851" v="46"/>
-          <ac:spMkLst>
-            <pc:docMk/>
-            <pc:sldMk cId="3292918179" sldId="324"/>
-            <ac:spMk id="26" creationId="{3729950E-4F02-6B44-A5A4-B6238ABBD35B}"/>
-          </ac:spMkLst>
-        </pc:spChg>
-      </pc:sldChg>
-      <pc:sldChg chg="delSp add">
-        <pc:chgData name="Khattab, Sherif" userId="c83b1e15-36f3-4f46-aceb-05aac24c545e" providerId="ADAL" clId="{EE78B4C3-BA47-2B47-8B84-4022815E3587}" dt="2019-05-14T13:34:18.851" v="46"/>
-        <pc:sldMkLst>
-          <pc:docMk/>
-          <pc:sldMk cId="355119911" sldId="338"/>
-        </pc:sldMkLst>
-        <pc:spChg chg="del">
-          <ac:chgData name="Khattab, Sherif" userId="c83b1e15-36f3-4f46-aceb-05aac24c545e" providerId="ADAL" clId="{EE78B4C3-BA47-2B47-8B84-4022815E3587}" dt="2019-05-14T13:34:18.851" v="46"/>
-          <ac:spMkLst>
-            <pc:docMk/>
-            <pc:sldMk cId="355119911" sldId="338"/>
-            <ac:spMk id="7" creationId="{AC4B9F18-B1E5-C341-B953-6D96BAA0EB6C}"/>
-          </ac:spMkLst>
-        </pc:spChg>
-      </pc:sldChg>
-      <pc:sldChg chg="delSp add">
-        <pc:chgData name="Khattab, Sherif" userId="c83b1e15-36f3-4f46-aceb-05aac24c545e" providerId="ADAL" clId="{EE78B4C3-BA47-2B47-8B84-4022815E3587}" dt="2019-05-14T13:34:18.851" v="46"/>
-        <pc:sldMkLst>
-          <pc:docMk/>
-          <pc:sldMk cId="4223572414" sldId="339"/>
-        </pc:sldMkLst>
-        <pc:spChg chg="del">
-          <ac:chgData name="Khattab, Sherif" userId="c83b1e15-36f3-4f46-aceb-05aac24c545e" providerId="ADAL" clId="{EE78B4C3-BA47-2B47-8B84-4022815E3587}" dt="2019-05-14T13:34:18.851" v="46"/>
-          <ac:spMkLst>
-            <pc:docMk/>
-            <pc:sldMk cId="4223572414" sldId="339"/>
-            <ac:spMk id="6" creationId="{48879884-318D-6C49-B6B8-463E617B85F1}"/>
-          </ac:spMkLst>
-        </pc:spChg>
-      </pc:sldChg>
-      <pc:sldChg chg="delSp add">
-        <pc:chgData name="Khattab, Sherif" userId="c83b1e15-36f3-4f46-aceb-05aac24c545e" providerId="ADAL" clId="{EE78B4C3-BA47-2B47-8B84-4022815E3587}" dt="2019-05-14T13:34:18.851" v="46"/>
-        <pc:sldMkLst>
-          <pc:docMk/>
-          <pc:sldMk cId="470668490" sldId="340"/>
-        </pc:sldMkLst>
-        <pc:spChg chg="del">
-          <ac:chgData name="Khattab, Sherif" userId="c83b1e15-36f3-4f46-aceb-05aac24c545e" providerId="ADAL" clId="{EE78B4C3-BA47-2B47-8B84-4022815E3587}" dt="2019-05-14T13:34:18.851" v="46"/>
-          <ac:spMkLst>
-            <pc:docMk/>
-            <pc:sldMk cId="470668490" sldId="340"/>
-            <ac:spMk id="6" creationId="{32D0E818-62B1-0A49-9CFC-1DC58F40FEBE}"/>
-          </ac:spMkLst>
-        </pc:spChg>
-      </pc:sldChg>
-      <pc:sldChg chg="delSp add">
-        <pc:chgData name="Khattab, Sherif" userId="c83b1e15-36f3-4f46-aceb-05aac24c545e" providerId="ADAL" clId="{EE78B4C3-BA47-2B47-8B84-4022815E3587}" dt="2019-05-14T13:34:18.851" v="46"/>
-        <pc:sldMkLst>
-          <pc:docMk/>
-          <pc:sldMk cId="1205868326" sldId="341"/>
-        </pc:sldMkLst>
-        <pc:spChg chg="del">
-          <ac:chgData name="Khattab, Sherif" userId="c83b1e15-36f3-4f46-aceb-05aac24c545e" providerId="ADAL" clId="{EE78B4C3-BA47-2B47-8B84-4022815E3587}" dt="2019-05-14T13:34:18.851" v="46"/>
-          <ac:spMkLst>
-            <pc:docMk/>
-            <pc:sldMk cId="1205868326" sldId="341"/>
-            <ac:spMk id="6" creationId="{918B0854-EAA5-9D49-9ED0-EA7684377156}"/>
-          </ac:spMkLst>
-        </pc:spChg>
-      </pc:sldChg>
-      <pc:sldChg chg="delSp add">
-        <pc:chgData name="Khattab, Sherif" userId="c83b1e15-36f3-4f46-aceb-05aac24c545e" providerId="ADAL" clId="{EE78B4C3-BA47-2B47-8B84-4022815E3587}" dt="2019-05-14T13:34:18.851" v="46"/>
-        <pc:sldMkLst>
-          <pc:docMk/>
-          <pc:sldMk cId="1806563943" sldId="342"/>
-        </pc:sldMkLst>
-        <pc:spChg chg="del">
-          <ac:chgData name="Khattab, Sherif" userId="c83b1e15-36f3-4f46-aceb-05aac24c545e" providerId="ADAL" clId="{EE78B4C3-BA47-2B47-8B84-4022815E3587}" dt="2019-05-14T13:34:18.851" v="46"/>
-          <ac:spMkLst>
-            <pc:docMk/>
-            <pc:sldMk cId="1806563943" sldId="342"/>
-            <ac:spMk id="9" creationId="{712AC7F1-3CB0-3140-8620-EAE2154DEBDF}"/>
-          </ac:spMkLst>
-        </pc:spChg>
-      </pc:sldChg>
-      <pc:sldChg chg="delSp add">
-        <pc:chgData name="Khattab, Sherif" userId="c83b1e15-36f3-4f46-aceb-05aac24c545e" providerId="ADAL" clId="{EE78B4C3-BA47-2B47-8B84-4022815E3587}" dt="2019-05-14T13:34:18.851" v="46"/>
-        <pc:sldMkLst>
-          <pc:docMk/>
-          <pc:sldMk cId="1167711490" sldId="343"/>
-        </pc:sldMkLst>
-        <pc:spChg chg="del">
-          <ac:chgData name="Khattab, Sherif" userId="c83b1e15-36f3-4f46-aceb-05aac24c545e" providerId="ADAL" clId="{EE78B4C3-BA47-2B47-8B84-4022815E3587}" dt="2019-05-14T13:34:18.851" v="46"/>
-          <ac:spMkLst>
-            <pc:docMk/>
-            <pc:sldMk cId="1167711490" sldId="343"/>
-            <ac:spMk id="9" creationId="{7277E941-6A46-A141-896C-8CF8D763337C}"/>
-          </ac:spMkLst>
-        </pc:spChg>
-      </pc:sldChg>
-      <pc:sldChg chg="delSp add">
-        <pc:chgData name="Khattab, Sherif" userId="c83b1e15-36f3-4f46-aceb-05aac24c545e" providerId="ADAL" clId="{EE78B4C3-BA47-2B47-8B84-4022815E3587}" dt="2019-05-14T13:34:18.851" v="46"/>
-        <pc:sldMkLst>
-          <pc:docMk/>
-          <pc:sldMk cId="1271999567" sldId="349"/>
-        </pc:sldMkLst>
-        <pc:spChg chg="del">
-          <ac:chgData name="Khattab, Sherif" userId="c83b1e15-36f3-4f46-aceb-05aac24c545e" providerId="ADAL" clId="{EE78B4C3-BA47-2B47-8B84-4022815E3587}" dt="2019-05-14T13:34:18.851" v="46"/>
-          <ac:spMkLst>
-            <pc:docMk/>
-            <pc:sldMk cId="1271999567" sldId="349"/>
-            <ac:spMk id="8" creationId="{7BD79B2E-E2F2-FE40-AF15-AA838FE67060}"/>
-          </ac:spMkLst>
-        </pc:spChg>
-      </pc:sldChg>
-      <pc:sldChg chg="delSp add">
-        <pc:chgData name="Khattab, Sherif" userId="c83b1e15-36f3-4f46-aceb-05aac24c545e" providerId="ADAL" clId="{EE78B4C3-BA47-2B47-8B84-4022815E3587}" dt="2019-05-14T13:34:18.851" v="46"/>
-        <pc:sldMkLst>
-          <pc:docMk/>
-          <pc:sldMk cId="434376579" sldId="363"/>
-        </pc:sldMkLst>
-        <pc:spChg chg="del">
-          <ac:chgData name="Khattab, Sherif" userId="c83b1e15-36f3-4f46-aceb-05aac24c545e" providerId="ADAL" clId="{EE78B4C3-BA47-2B47-8B84-4022815E3587}" dt="2019-05-14T13:34:18.851" v="46"/>
-          <ac:spMkLst>
-            <pc:docMk/>
-            <pc:sldMk cId="434376579" sldId="363"/>
-            <ac:spMk id="15" creationId="{1190D209-83D1-A548-8C7B-C35DE4396F91}"/>
-          </ac:spMkLst>
-        </pc:spChg>
-      </pc:sldChg>
-      <pc:sldChg chg="delSp add">
-        <pc:chgData name="Khattab, Sherif" userId="c83b1e15-36f3-4f46-aceb-05aac24c545e" providerId="ADAL" clId="{EE78B4C3-BA47-2B47-8B84-4022815E3587}" dt="2019-05-14T13:34:18.851" v="46"/>
-        <pc:sldMkLst>
-          <pc:docMk/>
-          <pc:sldMk cId="815621424" sldId="364"/>
-        </pc:sldMkLst>
-        <pc:spChg chg="del">
-          <ac:chgData name="Khattab, Sherif" userId="c83b1e15-36f3-4f46-aceb-05aac24c545e" providerId="ADAL" clId="{EE78B4C3-BA47-2B47-8B84-4022815E3587}" dt="2019-05-14T13:34:18.851" v="46"/>
-          <ac:spMkLst>
-            <pc:docMk/>
-            <pc:sldMk cId="815621424" sldId="364"/>
-            <ac:spMk id="29" creationId="{6D10D6C8-49C6-BE4E-9E3F-EEC76AE056AA}"/>
-          </ac:spMkLst>
-        </pc:spChg>
-      </pc:sldChg>
-      <pc:sldChg chg="delSp add">
-        <pc:chgData name="Khattab, Sherif" userId="c83b1e15-36f3-4f46-aceb-05aac24c545e" providerId="ADAL" clId="{EE78B4C3-BA47-2B47-8B84-4022815E3587}" dt="2019-05-14T13:34:18.851" v="46"/>
-        <pc:sldMkLst>
-          <pc:docMk/>
-          <pc:sldMk cId="1934104099" sldId="365"/>
-        </pc:sldMkLst>
-        <pc:spChg chg="del">
-          <ac:chgData name="Khattab, Sherif" userId="c83b1e15-36f3-4f46-aceb-05aac24c545e" providerId="ADAL" clId="{EE78B4C3-BA47-2B47-8B84-4022815E3587}" dt="2019-05-14T13:34:18.851" v="46"/>
-          <ac:spMkLst>
-            <pc:docMk/>
-            <pc:sldMk cId="1934104099" sldId="365"/>
-            <ac:spMk id="10" creationId="{87886125-1D5E-014B-A276-636801877DB6}"/>
-          </ac:spMkLst>
-        </pc:spChg>
-      </pc:sldChg>
-      <pc:sldChg chg="delSp add">
-        <pc:chgData name="Khattab, Sherif" userId="c83b1e15-36f3-4f46-aceb-05aac24c545e" providerId="ADAL" clId="{EE78B4C3-BA47-2B47-8B84-4022815E3587}" dt="2019-05-14T13:34:18.851" v="46"/>
-        <pc:sldMkLst>
-          <pc:docMk/>
-          <pc:sldMk cId="2782429159" sldId="366"/>
-        </pc:sldMkLst>
-        <pc:spChg chg="del">
-          <ac:chgData name="Khattab, Sherif" userId="c83b1e15-36f3-4f46-aceb-05aac24c545e" providerId="ADAL" clId="{EE78B4C3-BA47-2B47-8B84-4022815E3587}" dt="2019-05-14T13:34:18.851" v="46"/>
-          <ac:spMkLst>
-            <pc:docMk/>
-            <pc:sldMk cId="2782429159" sldId="366"/>
-            <ac:spMk id="6" creationId="{35E278D3-0A71-264A-B99D-056EBFA58F06}"/>
-          </ac:spMkLst>
-        </pc:spChg>
-      </pc:sldChg>
-      <pc:sldChg chg="delSp add">
-        <pc:chgData name="Khattab, Sherif" userId="c83b1e15-36f3-4f46-aceb-05aac24c545e" providerId="ADAL" clId="{EE78B4C3-BA47-2B47-8B84-4022815E3587}" dt="2019-05-14T13:34:18.851" v="46"/>
-        <pc:sldMkLst>
-          <pc:docMk/>
-          <pc:sldMk cId="2251973667" sldId="367"/>
-        </pc:sldMkLst>
-        <pc:spChg chg="del">
-          <ac:chgData name="Khattab, Sherif" userId="c83b1e15-36f3-4f46-aceb-05aac24c545e" providerId="ADAL" clId="{EE78B4C3-BA47-2B47-8B84-4022815E3587}" dt="2019-05-14T13:34:18.851" v="46"/>
-          <ac:spMkLst>
-            <pc:docMk/>
-            <pc:sldMk cId="2251973667" sldId="367"/>
-            <ac:spMk id="6" creationId="{156F37D5-7C3B-D446-B495-19F8366B5AD6}"/>
-          </ac:spMkLst>
-        </pc:spChg>
-      </pc:sldChg>
-      <pc:sldChg chg="delSp add">
-        <pc:chgData name="Khattab, Sherif" userId="c83b1e15-36f3-4f46-aceb-05aac24c545e" providerId="ADAL" clId="{EE78B4C3-BA47-2B47-8B84-4022815E3587}" dt="2019-05-14T13:34:18.851" v="46"/>
-        <pc:sldMkLst>
-          <pc:docMk/>
-          <pc:sldMk cId="3138501136" sldId="368"/>
-        </pc:sldMkLst>
-        <pc:spChg chg="del">
-          <ac:chgData name="Khattab, Sherif" userId="c83b1e15-36f3-4f46-aceb-05aac24c545e" providerId="ADAL" clId="{EE78B4C3-BA47-2B47-8B84-4022815E3587}" dt="2019-05-14T13:34:18.851" v="46"/>
-          <ac:spMkLst>
-            <pc:docMk/>
-            <pc:sldMk cId="3138501136" sldId="368"/>
-            <ac:spMk id="9" creationId="{2996EA4B-3DC2-9F42-B065-0840F656E48E}"/>
-          </ac:spMkLst>
-        </pc:spChg>
-      </pc:sldChg>
-      <pc:sldChg chg="delSp add">
-        <pc:chgData name="Khattab, Sherif" userId="c83b1e15-36f3-4f46-aceb-05aac24c545e" providerId="ADAL" clId="{EE78B4C3-BA47-2B47-8B84-4022815E3587}" dt="2019-05-14T13:34:18.851" v="46"/>
-        <pc:sldMkLst>
-          <pc:docMk/>
-          <pc:sldMk cId="3210992163" sldId="369"/>
-        </pc:sldMkLst>
-        <pc:spChg chg="del">
-          <ac:chgData name="Khattab, Sherif" userId="c83b1e15-36f3-4f46-aceb-05aac24c545e" providerId="ADAL" clId="{EE78B4C3-BA47-2B47-8B84-4022815E3587}" dt="2019-05-14T13:34:18.851" v="46"/>
-          <ac:spMkLst>
-            <pc:docMk/>
-            <pc:sldMk cId="3210992163" sldId="369"/>
-            <ac:spMk id="6" creationId="{B0B02CAE-6A9B-A441-9498-BF8F3DB626EB}"/>
-          </ac:spMkLst>
-        </pc:spChg>
-      </pc:sldChg>
-      <pc:sldChg chg="delSp add">
-        <pc:chgData name="Khattab, Sherif" userId="c83b1e15-36f3-4f46-aceb-05aac24c545e" providerId="ADAL" clId="{EE78B4C3-BA47-2B47-8B84-4022815E3587}" dt="2019-05-14T13:34:18.851" v="46"/>
-        <pc:sldMkLst>
-          <pc:docMk/>
-          <pc:sldMk cId="4013065491" sldId="370"/>
-        </pc:sldMkLst>
-        <pc:spChg chg="del">
-          <ac:chgData name="Khattab, Sherif" userId="c83b1e15-36f3-4f46-aceb-05aac24c545e" providerId="ADAL" clId="{EE78B4C3-BA47-2B47-8B84-4022815E3587}" dt="2019-05-14T13:34:18.851" v="46"/>
-          <ac:spMkLst>
-            <pc:docMk/>
-            <pc:sldMk cId="4013065491" sldId="370"/>
-            <ac:spMk id="8" creationId="{D0EF7B2F-C2A6-4E4A-BA48-98165068EB9D}"/>
-          </ac:spMkLst>
-        </pc:spChg>
-      </pc:sldChg>
-      <pc:sldChg chg="delSp add">
-        <pc:chgData name="Khattab, Sherif" userId="c83b1e15-36f3-4f46-aceb-05aac24c545e" providerId="ADAL" clId="{EE78B4C3-BA47-2B47-8B84-4022815E3587}" dt="2019-05-14T13:34:18.851" v="46"/>
-        <pc:sldMkLst>
-          <pc:docMk/>
-          <pc:sldMk cId="2592968416" sldId="371"/>
-        </pc:sldMkLst>
-        <pc:spChg chg="del">
-          <ac:chgData name="Khattab, Sherif" userId="c83b1e15-36f3-4f46-aceb-05aac24c545e" providerId="ADAL" clId="{EE78B4C3-BA47-2B47-8B84-4022815E3587}" dt="2019-05-14T13:34:18.851" v="46"/>
-          <ac:spMkLst>
-            <pc:docMk/>
-            <pc:sldMk cId="2592968416" sldId="371"/>
-            <ac:spMk id="8" creationId="{61F73BD1-10AC-B146-B4D6-4D1B879CEAE3}"/>
-          </ac:spMkLst>
-        </pc:spChg>
-      </pc:sldChg>
-      <pc:sldChg chg="delSp add">
-        <pc:chgData name="Khattab, Sherif" userId="c83b1e15-36f3-4f46-aceb-05aac24c545e" providerId="ADAL" clId="{EE78B4C3-BA47-2B47-8B84-4022815E3587}" dt="2019-05-14T13:34:18.851" v="46"/>
-        <pc:sldMkLst>
-          <pc:docMk/>
-          <pc:sldMk cId="3848335379" sldId="372"/>
-        </pc:sldMkLst>
-        <pc:spChg chg="del">
-          <ac:chgData name="Khattab, Sherif" userId="c83b1e15-36f3-4f46-aceb-05aac24c545e" providerId="ADAL" clId="{EE78B4C3-BA47-2B47-8B84-4022815E3587}" dt="2019-05-14T13:34:18.851" v="46"/>
-          <ac:spMkLst>
-            <pc:docMk/>
-            <pc:sldMk cId="3848335379" sldId="372"/>
-            <ac:spMk id="9" creationId="{A9CB262F-7565-A04A-9FDE-A27BCA955EC0}"/>
-          </ac:spMkLst>
-        </pc:spChg>
-      </pc:sldChg>
-      <pc:sldChg chg="delSp add">
-        <pc:chgData name="Khattab, Sherif" userId="c83b1e15-36f3-4f46-aceb-05aac24c545e" providerId="ADAL" clId="{EE78B4C3-BA47-2B47-8B84-4022815E3587}" dt="2019-05-14T13:34:18.851" v="46"/>
-        <pc:sldMkLst>
-          <pc:docMk/>
-          <pc:sldMk cId="3161117264" sldId="373"/>
-        </pc:sldMkLst>
-        <pc:spChg chg="del">
-          <ac:chgData name="Khattab, Sherif" userId="c83b1e15-36f3-4f46-aceb-05aac24c545e" providerId="ADAL" clId="{EE78B4C3-BA47-2B47-8B84-4022815E3587}" dt="2019-05-14T13:34:18.851" v="46"/>
-          <ac:spMkLst>
-            <pc:docMk/>
-            <pc:sldMk cId="3161117264" sldId="373"/>
-            <ac:spMk id="6" creationId="{E9F1DC46-4FA4-D444-A7D6-705144867080}"/>
-          </ac:spMkLst>
-        </pc:spChg>
-      </pc:sldChg>
-      <pc:sldChg chg="delSp add">
-        <pc:chgData name="Khattab, Sherif" userId="c83b1e15-36f3-4f46-aceb-05aac24c545e" providerId="ADAL" clId="{EE78B4C3-BA47-2B47-8B84-4022815E3587}" dt="2019-05-14T13:34:18.851" v="46"/>
-        <pc:sldMkLst>
-          <pc:docMk/>
-          <pc:sldMk cId="1542066946" sldId="374"/>
-        </pc:sldMkLst>
-        <pc:spChg chg="del">
-          <ac:chgData name="Khattab, Sherif" userId="c83b1e15-36f3-4f46-aceb-05aac24c545e" providerId="ADAL" clId="{EE78B4C3-BA47-2B47-8B84-4022815E3587}" dt="2019-05-14T13:34:18.851" v="46"/>
-          <ac:spMkLst>
-            <pc:docMk/>
-            <pc:sldMk cId="1542066946" sldId="374"/>
-            <ac:spMk id="6" creationId="{D50D1AE2-A719-F648-ABE5-1D2605CF399A}"/>
-          </ac:spMkLst>
-        </pc:spChg>
-      </pc:sldChg>
-      <pc:sldChg chg="delSp add">
-        <pc:chgData name="Khattab, Sherif" userId="c83b1e15-36f3-4f46-aceb-05aac24c545e" providerId="ADAL" clId="{EE78B4C3-BA47-2B47-8B84-4022815E3587}" dt="2019-05-14T13:34:18.851" v="46"/>
-        <pc:sldMkLst>
-          <pc:docMk/>
-          <pc:sldMk cId="834112894" sldId="375"/>
-        </pc:sldMkLst>
-        <pc:spChg chg="del">
-          <ac:chgData name="Khattab, Sherif" userId="c83b1e15-36f3-4f46-aceb-05aac24c545e" providerId="ADAL" clId="{EE78B4C3-BA47-2B47-8B84-4022815E3587}" dt="2019-05-14T13:34:18.851" v="46"/>
-          <ac:spMkLst>
-            <pc:docMk/>
-            <pc:sldMk cId="834112894" sldId="375"/>
-            <ac:spMk id="6" creationId="{429B8308-B899-EF4A-97A6-3EEDF546FBBB}"/>
-          </ac:spMkLst>
-        </pc:spChg>
-      </pc:sldChg>
-      <pc:sldChg chg="delSp add">
-        <pc:chgData name="Khattab, Sherif" userId="c83b1e15-36f3-4f46-aceb-05aac24c545e" providerId="ADAL" clId="{EE78B4C3-BA47-2B47-8B84-4022815E3587}" dt="2019-05-14T13:34:18.851" v="46"/>
-        <pc:sldMkLst>
-          <pc:docMk/>
-          <pc:sldMk cId="1165577892" sldId="376"/>
-        </pc:sldMkLst>
-        <pc:spChg chg="del">
-          <ac:chgData name="Khattab, Sherif" userId="c83b1e15-36f3-4f46-aceb-05aac24c545e" providerId="ADAL" clId="{EE78B4C3-BA47-2B47-8B84-4022815E3587}" dt="2019-05-14T13:34:18.851" v="46"/>
-          <ac:spMkLst>
-            <pc:docMk/>
-            <pc:sldMk cId="1165577892" sldId="376"/>
-            <ac:spMk id="42" creationId="{27F42901-D1CE-084B-9E38-96413317B8CF}"/>
-          </ac:spMkLst>
-        </pc:spChg>
-      </pc:sldChg>
-      <pc:sldChg chg="delSp add">
-        <pc:chgData name="Khattab, Sherif" userId="c83b1e15-36f3-4f46-aceb-05aac24c545e" providerId="ADAL" clId="{EE78B4C3-BA47-2B47-8B84-4022815E3587}" dt="2019-05-14T13:34:18.851" v="46"/>
-        <pc:sldMkLst>
-          <pc:docMk/>
-          <pc:sldMk cId="1942139729" sldId="377"/>
-        </pc:sldMkLst>
-        <pc:spChg chg="del">
-          <ac:chgData name="Khattab, Sherif" userId="c83b1e15-36f3-4f46-aceb-05aac24c545e" providerId="ADAL" clId="{EE78B4C3-BA47-2B47-8B84-4022815E3587}" dt="2019-05-14T13:34:18.851" v="46"/>
-          <ac:spMkLst>
-            <pc:docMk/>
-            <pc:sldMk cId="1942139729" sldId="377"/>
-            <ac:spMk id="9" creationId="{68716DFF-FDE6-F443-A890-77FBFB539BEB}"/>
-          </ac:spMkLst>
-        </pc:spChg>
-      </pc:sldChg>
-      <pc:sldChg chg="delSp add">
-        <pc:chgData name="Khattab, Sherif" userId="c83b1e15-36f3-4f46-aceb-05aac24c545e" providerId="ADAL" clId="{EE78B4C3-BA47-2B47-8B84-4022815E3587}" dt="2019-05-14T13:34:18.851" v="46"/>
-        <pc:sldMkLst>
-          <pc:docMk/>
-          <pc:sldMk cId="3990797458" sldId="378"/>
-        </pc:sldMkLst>
-        <pc:spChg chg="del">
-          <ac:chgData name="Khattab, Sherif" userId="c83b1e15-36f3-4f46-aceb-05aac24c545e" providerId="ADAL" clId="{EE78B4C3-BA47-2B47-8B84-4022815E3587}" dt="2019-05-14T13:34:18.851" v="46"/>
-          <ac:spMkLst>
-            <pc:docMk/>
-            <pc:sldMk cId="3990797458" sldId="378"/>
-            <ac:spMk id="6" creationId="{ADE8E4C1-F96E-1346-A961-80E2D6A49C9A}"/>
-          </ac:spMkLst>
-        </pc:spChg>
-      </pc:sldChg>
-      <pc:sldChg chg="delSp add">
-        <pc:chgData name="Khattab, Sherif" userId="c83b1e15-36f3-4f46-aceb-05aac24c545e" providerId="ADAL" clId="{EE78B4C3-BA47-2B47-8B84-4022815E3587}" dt="2019-05-14T13:34:18.851" v="46"/>
-        <pc:sldMkLst>
-          <pc:docMk/>
-          <pc:sldMk cId="2736486443" sldId="379"/>
-        </pc:sldMkLst>
-        <pc:spChg chg="del">
-          <ac:chgData name="Khattab, Sherif" userId="c83b1e15-36f3-4f46-aceb-05aac24c545e" providerId="ADAL" clId="{EE78B4C3-BA47-2B47-8B84-4022815E3587}" dt="2019-05-14T13:34:18.851" v="46"/>
-          <ac:spMkLst>
-            <pc:docMk/>
-            <pc:sldMk cId="2736486443" sldId="379"/>
-            <ac:spMk id="9" creationId="{68630AFF-8EA0-D641-8FA2-6949259437AD}"/>
-          </ac:spMkLst>
-        </pc:spChg>
-      </pc:sldChg>
-      <pc:sldChg chg="delSp add">
-        <pc:chgData name="Khattab, Sherif" userId="c83b1e15-36f3-4f46-aceb-05aac24c545e" providerId="ADAL" clId="{EE78B4C3-BA47-2B47-8B84-4022815E3587}" dt="2019-05-14T13:34:18.851" v="46"/>
-        <pc:sldMkLst>
-          <pc:docMk/>
-          <pc:sldMk cId="541381985" sldId="380"/>
-        </pc:sldMkLst>
-        <pc:spChg chg="del">
-          <ac:chgData name="Khattab, Sherif" userId="c83b1e15-36f3-4f46-aceb-05aac24c545e" providerId="ADAL" clId="{EE78B4C3-BA47-2B47-8B84-4022815E3587}" dt="2019-05-14T13:34:18.851" v="46"/>
-          <ac:spMkLst>
-            <pc:docMk/>
-            <pc:sldMk cId="541381985" sldId="380"/>
-            <ac:spMk id="25" creationId="{4D20C47B-3C18-E64F-95ED-21B263511FAD}"/>
-          </ac:spMkLst>
-        </pc:spChg>
-      </pc:sldChg>
-      <pc:sldChg chg="delSp add">
-        <pc:chgData name="Khattab, Sherif" userId="c83b1e15-36f3-4f46-aceb-05aac24c545e" providerId="ADAL" clId="{EE78B4C3-BA47-2B47-8B84-4022815E3587}" dt="2019-05-14T13:34:18.851" v="46"/>
-        <pc:sldMkLst>
-          <pc:docMk/>
-          <pc:sldMk cId="2235897330" sldId="381"/>
-        </pc:sldMkLst>
-        <pc:spChg chg="del">
-          <ac:chgData name="Khattab, Sherif" userId="c83b1e15-36f3-4f46-aceb-05aac24c545e" providerId="ADAL" clId="{EE78B4C3-BA47-2B47-8B84-4022815E3587}" dt="2019-05-14T13:34:18.851" v="46"/>
-          <ac:spMkLst>
-            <pc:docMk/>
-            <pc:sldMk cId="2235897330" sldId="381"/>
-            <ac:spMk id="8" creationId="{9D3BDADA-F567-BD4E-9F02-7C5462E120E7}"/>
-          </ac:spMkLst>
-        </pc:spChg>
-      </pc:sldChg>
-      <pc:sldChg chg="delSp add">
-        <pc:chgData name="Khattab, Sherif" userId="c83b1e15-36f3-4f46-aceb-05aac24c545e" providerId="ADAL" clId="{EE78B4C3-BA47-2B47-8B84-4022815E3587}" dt="2019-05-14T13:34:18.851" v="46"/>
-        <pc:sldMkLst>
-          <pc:docMk/>
-          <pc:sldMk cId="3360044446" sldId="382"/>
-        </pc:sldMkLst>
-        <pc:spChg chg="del">
-          <ac:chgData name="Khattab, Sherif" userId="c83b1e15-36f3-4f46-aceb-05aac24c545e" providerId="ADAL" clId="{EE78B4C3-BA47-2B47-8B84-4022815E3587}" dt="2019-05-14T13:34:18.851" v="46"/>
-          <ac:spMkLst>
-            <pc:docMk/>
-            <pc:sldMk cId="3360044446" sldId="382"/>
-            <ac:spMk id="8" creationId="{90688045-CAEF-334F-9E8D-5DE392BB31B7}"/>
-          </ac:spMkLst>
-        </pc:spChg>
-      </pc:sldChg>
-      <pc:sldChg chg="delSp add">
-        <pc:chgData name="Khattab, Sherif" userId="c83b1e15-36f3-4f46-aceb-05aac24c545e" providerId="ADAL" clId="{EE78B4C3-BA47-2B47-8B84-4022815E3587}" dt="2019-05-14T13:34:18.851" v="46"/>
-        <pc:sldMkLst>
-          <pc:docMk/>
-          <pc:sldMk cId="1954384084" sldId="383"/>
-        </pc:sldMkLst>
-        <pc:spChg chg="del">
-          <ac:chgData name="Khattab, Sherif" userId="c83b1e15-36f3-4f46-aceb-05aac24c545e" providerId="ADAL" clId="{EE78B4C3-BA47-2B47-8B84-4022815E3587}" dt="2019-05-14T13:34:18.851" v="46"/>
-          <ac:spMkLst>
-            <pc:docMk/>
-            <pc:sldMk cId="1954384084" sldId="383"/>
-            <ac:spMk id="8" creationId="{307391A8-557A-8A4A-8E68-85B54349ED8F}"/>
-          </ac:spMkLst>
-        </pc:spChg>
-      </pc:sldChg>
-      <pc:sldChg chg="delSp add">
-        <pc:chgData name="Khattab, Sherif" userId="c83b1e15-36f3-4f46-aceb-05aac24c545e" providerId="ADAL" clId="{EE78B4C3-BA47-2B47-8B84-4022815E3587}" dt="2019-05-14T13:34:18.851" v="46"/>
-        <pc:sldMkLst>
-          <pc:docMk/>
-          <pc:sldMk cId="220759689" sldId="384"/>
-        </pc:sldMkLst>
-        <pc:spChg chg="del">
-          <ac:chgData name="Khattab, Sherif" userId="c83b1e15-36f3-4f46-aceb-05aac24c545e" providerId="ADAL" clId="{EE78B4C3-BA47-2B47-8B84-4022815E3587}" dt="2019-05-14T13:34:18.851" v="46"/>
-          <ac:spMkLst>
-            <pc:docMk/>
-            <pc:sldMk cId="220759689" sldId="384"/>
-            <ac:spMk id="6" creationId="{E1DC0099-5926-8C42-9144-C73482BF1FE7}"/>
-          </ac:spMkLst>
-        </pc:spChg>
-      </pc:sldChg>
-      <pc:sldChg chg="delSp add">
-        <pc:chgData name="Khattab, Sherif" userId="c83b1e15-36f3-4f46-aceb-05aac24c545e" providerId="ADAL" clId="{EE78B4C3-BA47-2B47-8B84-4022815E3587}" dt="2019-05-14T13:34:18.851" v="46"/>
-        <pc:sldMkLst>
-          <pc:docMk/>
-          <pc:sldMk cId="2809799376" sldId="385"/>
-        </pc:sldMkLst>
-        <pc:spChg chg="del">
-          <ac:chgData name="Khattab, Sherif" userId="c83b1e15-36f3-4f46-aceb-05aac24c545e" providerId="ADAL" clId="{EE78B4C3-BA47-2B47-8B84-4022815E3587}" dt="2019-05-14T13:34:18.851" v="46"/>
-          <ac:spMkLst>
-            <pc:docMk/>
-            <pc:sldMk cId="2809799376" sldId="385"/>
-            <ac:spMk id="8" creationId="{0E14A1DC-F2CD-F64B-A516-0E10067BD269}"/>
-          </ac:spMkLst>
-        </pc:spChg>
       </pc:sldChg>
     </pc:docChg>
   </pc:docChgLst>
@@ -11450,7 +11490,7 @@
                 </a:solidFill>
                 <a:latin typeface="Helvetica" pitchFamily="2" charset="0"/>
               </a:rPr>
-              <a:t>CS/COE 1550</a:t>
+              <a:t>CS 1550</a:t>
             </a:r>
           </a:p>
         </p:txBody>
@@ -11479,7 +11519,7 @@
           <a:p>
             <a:r>
               <a:rPr lang="en-US"/>
-              <a:t>Spring 2022</a:t>
+              <a:t>Spring 2023</a:t>
             </a:r>
           </a:p>
           <a:p>
@@ -11489,12 +11529,8 @@
               </a:lnSpc>
             </a:pPr>
             <a:r>
-              <a:rPr lang="en-GB" altLang="en-US" sz="4000"/>
-              <a:t>Sherif </a:t>
-            </a:r>
-            <a:r>
               <a:rPr lang="en-GB" altLang="en-US" sz="4000" dirty="0"/>
-              <a:t>Khattab</a:t>
+              <a:t>Sherif Khattab</a:t>
             </a:r>
           </a:p>
           <a:p>
@@ -11674,6 +11710,53 @@
           <a:xfrm>
             <a:off x="2219325" y="201474"/>
             <a:ext cx="5619750" cy="1733550"/>
+          </a:xfrm>
+          <a:prstGeom prst="rect">
+            <a:avLst/>
+          </a:prstGeom>
+          <a:noFill/>
+          <a:extLst>
+            <a:ext uri="{909E8E84-426E-40DD-AFC4-6F175D3DCCD1}">
+              <a14:hiddenFill xmlns:a14="http://schemas.microsoft.com/office/drawing/2010/main">
+                <a:solidFill>
+                  <a:srgbClr val="FFFFFF"/>
+                </a:solidFill>
+              </a14:hiddenFill>
+            </a:ext>
+          </a:extLst>
+        </p:spPr>
+      </p:pic>
+      <p:pic>
+        <p:nvPicPr>
+          <p:cNvPr id="5" name="Picture 2">
+            <a:extLst>
+              <a:ext uri="{FF2B5EF4-FFF2-40B4-BE49-F238E27FC236}">
+                <a16:creationId xmlns:a16="http://schemas.microsoft.com/office/drawing/2014/main" id="{FC37AB54-DBC9-D4CD-06E6-4706C161E244}"/>
+              </a:ext>
+            </a:extLst>
+          </p:cNvPr>
+          <p:cNvPicPr>
+            <a:picLocks noChangeAspect="1" noChangeArrowheads="1"/>
+          </p:cNvPicPr>
+          <p:nvPr/>
+        </p:nvPicPr>
+        <p:blipFill>
+          <a:blip r:embed="rId4">
+            <a:extLst>
+              <a:ext uri="{28A0092B-C50C-407E-A947-70E740481C1C}">
+                <a14:useLocalDpi xmlns:a14="http://schemas.microsoft.com/office/drawing/2010/main" val="0"/>
+              </a:ext>
+            </a:extLst>
+          </a:blip>
+          <a:srcRect/>
+          <a:stretch>
+            <a:fillRect/>
+          </a:stretch>
+        </p:blipFill>
+        <p:spPr bwMode="auto">
+          <a:xfrm>
+            <a:off x="590550" y="3964453"/>
+            <a:ext cx="2349500" cy="2349500"/>
           </a:xfrm>
           <a:prstGeom prst="rect">
             <a:avLst/>
